--- a/documentation/02 Funds Transfer Message.pptx
+++ b/documentation/02 Funds Transfer Message.pptx
@@ -14,7 +14,7 @@
     <p:sldId id="256" r:id="rId5"/>
     <p:sldId id="258" r:id="rId6"/>
     <p:sldId id="261" r:id="rId7"/>
-    <p:sldId id="276" r:id="rId8"/>
+    <p:sldId id="288" r:id="rId8"/>
     <p:sldId id="271" r:id="rId9"/>
     <p:sldId id="283" r:id="rId10"/>
     <p:sldId id="285" r:id="rId11"/>
@@ -225,7 +225,7 @@
           <a:p>
             <a:fld id="{CE53DE84-D7B3-4797-B14D-77424657396D}" type="datetimeFigureOut">
               <a:rPr lang="en-GB" smtClean="0"/>
-              <a:t>01/03/2018</a:t>
+              <a:t>15/03/2018</a:t>
             </a:fld>
             <a:endParaRPr lang="en-GB" dirty="0"/>
           </a:p>
@@ -390,7 +390,7 @@
           <a:p>
             <a:fld id="{D1C597EC-6BB0-461C-B045-D257C6C8821E}" type="datetimeFigureOut">
               <a:rPr lang="en-GB" smtClean="0"/>
-              <a:t>01/03/2018</a:t>
+              <a:t>15/03/2018</a:t>
             </a:fld>
             <a:endParaRPr lang="en-GB" dirty="0"/>
           </a:p>
@@ -732,7 +732,7 @@
     </p:spTree>
     <p:extLst>
       <p:ext uri="{BB962C8B-B14F-4D97-AF65-F5344CB8AC3E}">
-        <p14:creationId xmlns:p14="http://schemas.microsoft.com/office/powerpoint/2010/main" val="1414625007"/>
+        <p14:creationId xmlns:p14="http://schemas.microsoft.com/office/powerpoint/2010/main" val="412347392"/>
       </p:ext>
     </p:extLst>
   </p:cSld>
@@ -1748,7 +1748,7 @@
           <a:p>
             <a:fld id="{22E7AA2F-F619-4723-B6E7-545F24B9918D}" type="datetime4">
               <a:rPr lang="en-GB" smtClean="0"/>
-              <a:t>01 March 2018</a:t>
+              <a:t>15 March 2018</a:t>
             </a:fld>
             <a:endParaRPr lang="en-GB" dirty="0"/>
           </a:p>
@@ -1952,7 +1952,7 @@
           <a:p>
             <a:fld id="{2A4201E0-34F3-46A7-AE44-D99163B13904}" type="datetime4">
               <a:rPr lang="en-GB" smtClean="0"/>
-              <a:t>01 March 2018</a:t>
+              <a:t>15 March 2018</a:t>
             </a:fld>
             <a:endParaRPr lang="en-GB" dirty="0"/>
           </a:p>
@@ -2200,7 +2200,7 @@
           <a:p>
             <a:fld id="{4FAE0867-24A8-448F-B507-CC8586AA6B96}" type="datetime4">
               <a:rPr lang="en-GB" smtClean="0"/>
-              <a:t>01 March 2018</a:t>
+              <a:t>15 March 2018</a:t>
             </a:fld>
             <a:endParaRPr lang="en-GB" dirty="0"/>
           </a:p>
@@ -2384,7 +2384,7 @@
           <a:p>
             <a:fld id="{54BE1DED-F17D-40BA-964F-A1C8DEDCEF61}" type="datetime4">
               <a:rPr lang="en-GB" smtClean="0"/>
-              <a:t>01 March 2018</a:t>
+              <a:t>15 March 2018</a:t>
             </a:fld>
             <a:endParaRPr lang="en-GB" dirty="0"/>
           </a:p>
@@ -2760,7 +2760,7 @@
             <a:fld id="{D9FBC6CA-9941-44FF-B65D-C7A23CB5A4BE}" type="datetime4">
               <a:rPr lang="en-GB" smtClean="0"/>
               <a:pPr/>
-              <a:t>01 March 2018</a:t>
+              <a:t>15 March 2018</a:t>
             </a:fld>
             <a:endParaRPr lang="en-GB" dirty="0"/>
           </a:p>
@@ -2946,7 +2946,7 @@
           <a:p>
             <a:fld id="{D473304B-F8FC-4BC7-8FE8-C50BC87E1FAB}" type="datetime4">
               <a:rPr lang="en-GB" smtClean="0"/>
-              <a:t>01 March 2018</a:t>
+              <a:t>15 March 2018</a:t>
             </a:fld>
             <a:endParaRPr lang="en-GB" dirty="0"/>
           </a:p>
@@ -3041,7 +3041,7 @@
           <a:p>
             <a:fld id="{D3D7C3DF-C1B2-4C30-9BDA-F5EE790E7213}" type="datetime4">
               <a:rPr lang="en-GB" smtClean="0"/>
-              <a:t>01 March 2018</a:t>
+              <a:t>15 March 2018</a:t>
             </a:fld>
             <a:endParaRPr lang="en-GB" dirty="0"/>
           </a:p>
@@ -3266,7 +3266,7 @@
           <a:p>
             <a:fld id="{7A1E630C-C3F3-4A66-A20B-F3CE4CC3331D}" type="datetime4">
               <a:rPr lang="en-GB" smtClean="0"/>
-              <a:t>01 March 2018</a:t>
+              <a:t>15 March 2018</a:t>
             </a:fld>
             <a:endParaRPr lang="en-GB" dirty="0"/>
           </a:p>
@@ -3900,7 +3900,7 @@
           <a:p>
             <a:fld id="{D22C19FE-D082-4640-BFED-203C0E583774}" type="datetime4">
               <a:rPr lang="en-GB" smtClean="0"/>
-              <a:t>01 March 2018</a:t>
+              <a:t>15 March 2018</a:t>
             </a:fld>
             <a:endParaRPr lang="en-GB" dirty="0"/>
           </a:p>
@@ -4766,7 +4766,7 @@
           <a:p>
             <a:fld id="{81517988-A32B-4128-87EA-4FEFFAC9F546}" type="datetime4">
               <a:rPr lang="en-GB" smtClean="0"/>
-              <a:t>01 March 2018</a:t>
+              <a:t>15 March 2018</a:t>
             </a:fld>
             <a:endParaRPr lang="en-GB" dirty="0"/>
           </a:p>
@@ -5438,13 +5438,13 @@
   <p:clrMapOvr>
     <a:masterClrMapping/>
   </p:clrMapOvr>
-  <mc:AlternateContent xmlns:mc="http://schemas.openxmlformats.org/markup-compatibility/2006">
-    <mc:Choice xmlns:p14="http://schemas.microsoft.com/office/powerpoint/2010/main" Requires="p14">
+  <mc:AlternateContent xmlns:mc="http://schemas.openxmlformats.org/markup-compatibility/2006" xmlns:p14="http://schemas.microsoft.com/office/powerpoint/2010/main">
+    <mc:Choice Requires="p14">
       <p:transition spd="med" p14:dur="700">
         <p:fade/>
       </p:transition>
     </mc:Choice>
-    <mc:Fallback>
+    <mc:Fallback xmlns="">
       <p:transition spd="med">
         <p:fade/>
       </p:transition>
@@ -6207,7 +6207,7 @@
           <a:p>
             <a:fld id="{2A4201E0-34F3-46A7-AE44-D99163B13904}" type="datetime4">
               <a:rPr lang="en-GB" smtClean="0"/>
-              <a:t>01 March 2018</a:t>
+              <a:t>15 March 2018</a:t>
             </a:fld>
             <a:endParaRPr lang="en-GB" dirty="0"/>
           </a:p>
@@ -6343,7 +6343,7 @@
             <a:fld id="{D98A2CEC-3088-437B-B321-33BEC7D93FCD}" type="datetime4">
               <a:rPr lang="en-GB" smtClean="0"/>
               <a:pPr/>
-              <a:t>01 March 2018</a:t>
+              <a:t>15 March 2018</a:t>
             </a:fld>
             <a:endParaRPr lang="en-GB" dirty="0"/>
           </a:p>
@@ -6518,7 +6518,7 @@
           <a:p>
             <a:fld id="{6096F0BA-ECEE-44D1-ABE9-40C67B221300}" type="datetime4">
               <a:rPr lang="en-GB" smtClean="0"/>
-              <a:t>01 March 2018</a:t>
+              <a:t>15 March 2018</a:t>
             </a:fld>
             <a:endParaRPr lang="en-GB" dirty="0"/>
           </a:p>
@@ -6706,7 +6706,7 @@
             <a:fld id="{014A5046-EA5E-455B-A3BC-352818629394}" type="datetime4">
               <a:rPr lang="en-GB" smtClean="0"/>
               <a:pPr/>
-              <a:t>01 March 2018</a:t>
+              <a:t>15 March 2018</a:t>
             </a:fld>
             <a:endParaRPr lang="en-GB" dirty="0"/>
           </a:p>
@@ -6769,7 +6769,7 @@
 </file>
 
 <file path=ppt/slides/slide4.xml><?xml version="1.0" encoding="utf-8"?>
-<p:sld xmlns:a="http://schemas.openxmlformats.org/drawingml/2006/main" xmlns:r="http://schemas.openxmlformats.org/officeDocument/2006/relationships" xmlns:p="http://schemas.openxmlformats.org/presentationml/2006/main">
+<p:sld xmlns:a="http://schemas.openxmlformats.org/drawingml/2006/main" xmlns:r="http://schemas.openxmlformats.org/officeDocument/2006/relationships" xmlns:p="http://schemas.openxmlformats.org/presentationml/2006/main" show="0">
   <p:cSld>
     <p:spTree>
       <p:nvGrpSpPr>
@@ -6801,7 +6801,7 @@
           <a:lstStyle/>
           <a:p>
             <a:r>
-              <a:rPr lang="en-US" dirty="0" smtClean="0"/>
+              <a:rPr lang="en-US" dirty="0"/>
               <a:t>FNDT Message in Payment Flow</a:t>
             </a:r>
             <a:endParaRPr lang="en-GB" dirty="0"/>
@@ -6826,7 +6826,7 @@
             <a:fld id="{BC3F1638-3586-4527-A760-38AC15BFC248}" type="datetime4">
               <a:rPr lang="en-GB" smtClean="0"/>
               <a:pPr/>
-              <a:t>01 March 2018</a:t>
+              <a:t>15 March 2018</a:t>
             </a:fld>
             <a:endParaRPr lang="en-GB" dirty="0"/>
           </a:p>
@@ -6982,11 +6982,6 @@
             <a:avLst/>
           </a:prstGeom>
           <a:ln w="12700">
-            <a:solidFill>
-              <a:schemeClr val="accent2">
-                <a:alpha val="44000"/>
-              </a:schemeClr>
-            </a:solidFill>
             <a:tailEnd type="triangle" w="lg" len="lg"/>
           </a:ln>
         </p:spPr>
@@ -7013,8 +7008,8 @@
         </p:nvSpPr>
         <p:spPr>
           <a:xfrm>
-            <a:off x="4553388" y="3407426"/>
-            <a:ext cx="1941921" cy="311084"/>
+            <a:off x="2157408" y="3158043"/>
+            <a:ext cx="4337901" cy="311084"/>
           </a:xfrm>
           <a:prstGeom prst="rect">
             <a:avLst/>
@@ -7032,22 +7027,24 @@
           <a:bodyPr wrap="square" lIns="0" tIns="0" rIns="0" bIns="0" rtlCol="1" anchor="ctr">
             <a:noAutofit/>
           </a:bodyPr>
-          <a:lstStyle/>
-          <a:p>
-            <a:pPr algn="ctr"/>
-            <a:r>
-              <a:rPr lang="en-US" sz="1200" dirty="0" smtClean="0">
+          <a:lstStyle>
+            <a:defPPr>
+              <a:defRPr lang="en-US"/>
+            </a:defPPr>
+            <a:lvl1pPr algn="ctr">
+              <a:defRPr sz="1200">
                 <a:solidFill>
                   <a:schemeClr val="bg1"/>
                 </a:solidFill>
-              </a:rPr>
+              </a:defRPr>
+            </a:lvl1pPr>
+          </a:lstStyle>
+          <a:p>
+            <a:r>
+              <a:rPr lang="en-US" dirty="0"/>
               <a:t>Compliance </a:t>
             </a:r>
-            <a:endParaRPr lang="he-IL" sz="1200" dirty="0" err="1" smtClean="0">
-              <a:solidFill>
-                <a:schemeClr val="bg1"/>
-              </a:solidFill>
-            </a:endParaRPr>
+            <a:endParaRPr lang="he-IL" dirty="0" err="1"/>
           </a:p>
         </p:txBody>
       </p:sp>
@@ -7056,14 +7053,13 @@
           <p:cNvPr id="18" name="Straight Arrow Connector 17"/>
           <p:cNvCxnSpPr>
             <a:stCxn id="13" idx="2"/>
-            <a:endCxn id="16" idx="0"/>
           </p:cNvCxnSpPr>
           <p:nvPr/>
         </p:nvCxnSpPr>
         <p:spPr>
-          <a:xfrm>
-            <a:off x="5524349" y="2837467"/>
-            <a:ext cx="0" cy="569959"/>
+          <a:xfrm flipH="1">
+            <a:off x="5524347" y="2837467"/>
+            <a:ext cx="2" cy="320576"/>
           </a:xfrm>
           <a:prstGeom prst="straightConnector1">
             <a:avLst/>
@@ -7207,8 +7203,8 @@
         </p:nvSpPr>
         <p:spPr>
           <a:xfrm>
-            <a:off x="9345348" y="3407426"/>
-            <a:ext cx="1941921" cy="311084"/>
+            <a:off x="6949366" y="1139596"/>
+            <a:ext cx="4337902" cy="311084"/>
           </a:xfrm>
           <a:prstGeom prst="rect">
             <a:avLst/>
@@ -7226,22 +7222,24 @@
           <a:bodyPr wrap="square" lIns="0" tIns="0" rIns="0" bIns="0" rtlCol="1" anchor="ctr">
             <a:noAutofit/>
           </a:bodyPr>
-          <a:lstStyle/>
-          <a:p>
-            <a:pPr algn="ctr"/>
-            <a:r>
-              <a:rPr lang="en-US" sz="1200" dirty="0" smtClean="0">
+          <a:lstStyle>
+            <a:defPPr>
+              <a:defRPr lang="en-US"/>
+            </a:defPPr>
+            <a:lvl1pPr algn="ctr">
+              <a:defRPr sz="1200">
                 <a:solidFill>
                   <a:schemeClr val="bg1"/>
                 </a:solidFill>
-              </a:rPr>
+              </a:defRPr>
+            </a:lvl1pPr>
+          </a:lstStyle>
+          <a:p>
+            <a:r>
+              <a:rPr lang="en-US" dirty="0"/>
               <a:t>Account Lookup</a:t>
             </a:r>
-            <a:endParaRPr lang="he-IL" sz="1200" dirty="0" err="1" smtClean="0">
-              <a:solidFill>
-                <a:schemeClr val="bg1"/>
-              </a:solidFill>
-            </a:endParaRPr>
+            <a:endParaRPr lang="he-IL" dirty="0" err="1"/>
           </a:p>
         </p:txBody>
       </p:sp>
@@ -7249,14 +7247,14 @@
         <p:nvCxnSpPr>
           <p:cNvPr id="23" name="Straight Arrow Connector 22"/>
           <p:cNvCxnSpPr>
-            <a:endCxn id="22" idx="0"/>
+            <a:stCxn id="21" idx="0"/>
           </p:cNvCxnSpPr>
           <p:nvPr/>
         </p:nvCxnSpPr>
         <p:spPr>
-          <a:xfrm>
-            <a:off x="10316309" y="2837467"/>
-            <a:ext cx="0" cy="569959"/>
+          <a:xfrm flipH="1" flipV="1">
+            <a:off x="10309292" y="1414021"/>
+            <a:ext cx="7017" cy="584461"/>
           </a:xfrm>
           <a:prstGeom prst="straightConnector1">
             <a:avLst/>
@@ -7266,6 +7264,7 @@
               <a:schemeClr val="accent2"/>
             </a:solidFill>
             <a:prstDash val="sysDot"/>
+            <a:headEnd type="triangle"/>
             <a:tailEnd type="triangle"/>
           </a:ln>
         </p:spPr>
@@ -7292,8 +7291,8 @@
         </p:nvSpPr>
         <p:spPr>
           <a:xfrm>
-            <a:off x="6949368" y="1296184"/>
-            <a:ext cx="4337901" cy="311084"/>
+            <a:off x="4553386" y="3666300"/>
+            <a:ext cx="1941922" cy="311084"/>
           </a:xfrm>
           <a:prstGeom prst="rect">
             <a:avLst/>
@@ -7311,22 +7310,24 @@
           <a:bodyPr wrap="square" lIns="0" tIns="0" rIns="0" bIns="0" rtlCol="1" anchor="ctr">
             <a:noAutofit/>
           </a:bodyPr>
-          <a:lstStyle/>
-          <a:p>
-            <a:pPr algn="ctr"/>
-            <a:r>
-              <a:rPr lang="en-US" sz="1200" dirty="0" smtClean="0">
+          <a:lstStyle>
+            <a:defPPr>
+              <a:defRPr lang="en-US"/>
+            </a:defPPr>
+            <a:lvl1pPr algn="ctr">
+              <a:defRPr sz="1200">
                 <a:solidFill>
                   <a:schemeClr val="bg1"/>
                 </a:solidFill>
-              </a:rPr>
+              </a:defRPr>
+            </a:lvl1pPr>
+          </a:lstStyle>
+          <a:p>
+            <a:r>
+              <a:rPr lang="en-US" dirty="0"/>
               <a:t>FX Engine</a:t>
             </a:r>
-            <a:endParaRPr lang="he-IL" sz="1200" dirty="0" err="1" smtClean="0">
-              <a:solidFill>
-                <a:schemeClr val="bg1"/>
-              </a:solidFill>
-            </a:endParaRPr>
+            <a:endParaRPr lang="he-IL" dirty="0" err="1"/>
           </a:p>
         </p:txBody>
       </p:sp>
@@ -7334,14 +7335,14 @@
         <p:nvCxnSpPr>
           <p:cNvPr id="25" name="Straight Arrow Connector 24"/>
           <p:cNvCxnSpPr>
-            <a:stCxn id="21" idx="0"/>
+            <a:endCxn id="24" idx="2"/>
           </p:cNvCxnSpPr>
           <p:nvPr/>
         </p:nvCxnSpPr>
         <p:spPr>
           <a:xfrm flipV="1">
-            <a:off x="10316309" y="1607268"/>
-            <a:ext cx="0" cy="391214"/>
+            <a:off x="5524347" y="3977384"/>
+            <a:ext cx="0" cy="334527"/>
           </a:xfrm>
           <a:prstGeom prst="straightConnector1">
             <a:avLst/>
@@ -7377,8 +7378,8 @@
         </p:nvCxnSpPr>
         <p:spPr>
           <a:xfrm flipV="1">
-            <a:off x="7844128" y="1607268"/>
-            <a:ext cx="1" cy="394356"/>
+            <a:off x="3128366" y="3477672"/>
+            <a:ext cx="0" cy="830440"/>
           </a:xfrm>
           <a:prstGeom prst="straightConnector1">
             <a:avLst/>
@@ -7424,11 +7425,6 @@
             <a:avLst/>
           </a:prstGeom>
           <a:ln w="12700">
-            <a:solidFill>
-              <a:schemeClr val="accent2">
-                <a:alpha val="44000"/>
-              </a:schemeClr>
-            </a:solidFill>
             <a:tailEnd type="triangle" w="lg" len="lg"/>
           </a:ln>
         </p:spPr>
@@ -7465,11 +7461,6 @@
             <a:avLst/>
           </a:prstGeom>
           <a:ln w="12700">
-            <a:solidFill>
-              <a:schemeClr val="accent2">
-                <a:alpha val="44000"/>
-              </a:schemeClr>
-            </a:solidFill>
             <a:tailEnd type="triangle" w="lg" len="lg"/>
           </a:ln>
         </p:spPr>
@@ -7562,11 +7553,6 @@
             </a:avLst>
           </a:prstGeom>
           <a:ln w="12700">
-            <a:solidFill>
-              <a:schemeClr val="accent2">
-                <a:alpha val="44000"/>
-              </a:schemeClr>
-            </a:solidFill>
             <a:tailEnd type="triangle" w="lg" len="lg"/>
           </a:ln>
         </p:spPr>
@@ -7621,15 +7607,7 @@
                   <a:schemeClr val="bg1"/>
                 </a:solidFill>
               </a:rPr>
-              <a:t>Internet </a:t>
-            </a:r>
-            <a:r>
-              <a:rPr lang="en-US" sz="1200" dirty="0" smtClean="0">
-                <a:solidFill>
-                  <a:schemeClr val="bg1"/>
-                </a:solidFill>
-              </a:rPr>
-              <a:t>Banking,  Branch-OTC, SWIFT, Local Clearing</a:t>
+              <a:t>Internet Banking,  Branch-OTC, SWIFT, Local Clearing</a:t>
             </a:r>
             <a:endParaRPr lang="he-IL" sz="1200" dirty="0">
               <a:solidFill>
@@ -7656,12 +7634,12 @@
           <a:prstGeom prst="straightConnector1">
             <a:avLst/>
           </a:prstGeom>
-          <a:ln w="28575" cmpd="sng">
+          <a:ln w="41275" cmpd="sng">
             <a:solidFill>
               <a:schemeClr val="accent2"/>
             </a:solidFill>
             <a:prstDash val="sysDot"/>
-            <a:tailEnd type="triangle" w="lg" len="lg"/>
+            <a:tailEnd type="triangle"/>
           </a:ln>
         </p:spPr>
         <p:style>
@@ -7751,11 +7729,6 @@
             <a:avLst/>
           </a:prstGeom>
           <a:ln w="12700">
-            <a:solidFill>
-              <a:schemeClr val="accent2">
-                <a:alpha val="44000"/>
-              </a:schemeClr>
-            </a:solidFill>
             <a:tailEnd type="triangle" w="lg" len="lg"/>
           </a:ln>
         </p:spPr>
@@ -7774,66 +7747,10 @@
           </a:fontRef>
         </p:style>
       </p:cxnSp>
-      <p:sp>
-        <p:nvSpPr>
-          <p:cNvPr id="55" name="Flowchart: Predefined Process 54"/>
-          <p:cNvSpPr/>
-          <p:nvPr/>
-        </p:nvSpPr>
-        <p:spPr>
-          <a:xfrm>
-            <a:off x="4553388" y="4288468"/>
-            <a:ext cx="1941921" cy="838985"/>
-          </a:xfrm>
-          <a:prstGeom prst="flowChartPredefinedProcess">
-            <a:avLst/>
-          </a:prstGeom>
-          <a:solidFill>
-            <a:schemeClr val="bg2"/>
-          </a:solidFill>
-          <a:ln>
-            <a:solidFill>
-              <a:schemeClr val="accent2">
-                <a:lumMod val="40000"/>
-                <a:lumOff val="60000"/>
-                <a:alpha val="44000"/>
-              </a:schemeClr>
-            </a:solidFill>
-          </a:ln>
-        </p:spPr>
-        <p:txBody>
-          <a:bodyPr wrap="square" lIns="0" tIns="0" rIns="0" bIns="0" rtlCol="1" anchor="ctr">
-            <a:noAutofit/>
-          </a:bodyPr>
-          <a:lstStyle/>
-          <a:p>
-            <a:pPr algn="ctr"/>
-            <a:r>
-              <a:rPr lang="en-US" sz="1200" dirty="0">
-                <a:solidFill>
-                  <a:schemeClr val="bg2">
-                    <a:lumMod val="75000"/>
-                  </a:schemeClr>
-                </a:solidFill>
-              </a:rPr>
-              <a:t>Balance Check</a:t>
-            </a:r>
-            <a:endParaRPr lang="he-IL" sz="1200" dirty="0">
-              <a:solidFill>
-                <a:schemeClr val="bg2">
-                  <a:lumMod val="75000"/>
-                </a:schemeClr>
-              </a:solidFill>
-            </a:endParaRPr>
-          </a:p>
-        </p:txBody>
-      </p:sp>
       <p:cxnSp>
         <p:nvCxnSpPr>
           <p:cNvPr id="56" name="Straight Arrow Connector 55"/>
-          <p:cNvCxnSpPr>
-            <a:endCxn id="55" idx="3"/>
-          </p:cNvCxnSpPr>
+          <p:cNvCxnSpPr/>
           <p:nvPr/>
         </p:nvCxnSpPr>
         <p:spPr>
@@ -7845,11 +7762,6 @@
             <a:avLst/>
           </a:prstGeom>
           <a:ln w="12700">
-            <a:solidFill>
-              <a:schemeClr val="accent2">
-                <a:alpha val="44000"/>
-              </a:schemeClr>
-            </a:solidFill>
             <a:tailEnd type="triangle" w="lg" len="lg"/>
           </a:ln>
         </p:spPr>
@@ -7877,7 +7789,7 @@
         <p:spPr>
           <a:xfrm>
             <a:off x="2157408" y="4288468"/>
-            <a:ext cx="1941921" cy="838985"/>
+            <a:ext cx="4337900" cy="838985"/>
           </a:xfrm>
           <a:prstGeom prst="flowChartPredefinedProcess">
             <a:avLst/>
@@ -7910,7 +7822,7 @@
                   </a:schemeClr>
                 </a:solidFill>
               </a:rPr>
-              <a:t>Posting</a:t>
+              <a:t>Payment execution</a:t>
             </a:r>
             <a:endParaRPr lang="he-IL" sz="1200" dirty="0">
               <a:solidFill>
@@ -7922,29 +7834,75 @@
           </a:p>
         </p:txBody>
       </p:sp>
+      <p:sp>
+        <p:nvSpPr>
+          <p:cNvPr id="59" name="Flowchart: Document 58"/>
+          <p:cNvSpPr/>
+          <p:nvPr/>
+        </p:nvSpPr>
+        <p:spPr>
+          <a:xfrm>
+            <a:off x="402278" y="4163620"/>
+            <a:ext cx="1271229" cy="1074656"/>
+          </a:xfrm>
+          <a:prstGeom prst="flowChartDocument">
+            <a:avLst/>
+          </a:prstGeom>
+          <a:solidFill>
+            <a:schemeClr val="accent2"/>
+          </a:solidFill>
+          <a:ln>
+            <a:solidFill>
+              <a:schemeClr val="accent1"/>
+            </a:solidFill>
+          </a:ln>
+        </p:spPr>
+        <p:txBody>
+          <a:bodyPr wrap="square" lIns="0" tIns="0" rIns="0" bIns="0" rtlCol="1" anchor="ctr">
+            <a:noAutofit/>
+          </a:bodyPr>
+          <a:lstStyle/>
+          <a:p>
+            <a:pPr algn="ctr"/>
+            <a:r>
+              <a:rPr lang="en-US" sz="1200" dirty="0">
+                <a:solidFill>
+                  <a:schemeClr val="bg1"/>
+                </a:solidFill>
+              </a:rPr>
+              <a:t>SWIFT, Local Clearing</a:t>
+            </a:r>
+            <a:endParaRPr lang="he-IL" sz="1200" dirty="0">
+              <a:solidFill>
+                <a:schemeClr val="bg1"/>
+              </a:solidFill>
+            </a:endParaRPr>
+          </a:p>
+        </p:txBody>
+      </p:sp>
       <p:cxnSp>
         <p:nvCxnSpPr>
-          <p:cNvPr id="58" name="Straight Arrow Connector 57"/>
+          <p:cNvPr id="61" name="Straight Arrow Connector 60"/>
           <p:cNvCxnSpPr>
-            <a:endCxn id="57" idx="3"/>
+            <a:stCxn id="57" idx="1"/>
+            <a:endCxn id="59" idx="3"/>
           </p:cNvCxnSpPr>
           <p:nvPr/>
         </p:nvCxnSpPr>
         <p:spPr>
           <a:xfrm flipH="1" flipV="1">
-            <a:off x="4099329" y="4707961"/>
-            <a:ext cx="454058" cy="1"/>
+            <a:off x="1673507" y="4700948"/>
+            <a:ext cx="483901" cy="7013"/>
           </a:xfrm>
           <a:prstGeom prst="straightConnector1">
             <a:avLst/>
           </a:prstGeom>
-          <a:ln w="12700">
+          <a:ln w="41275" cmpd="sng">
             <a:solidFill>
-              <a:schemeClr val="accent2">
-                <a:alpha val="44000"/>
-              </a:schemeClr>
+              <a:schemeClr val="accent2"/>
             </a:solidFill>
-            <a:tailEnd type="triangle" w="lg" len="lg"/>
+            <a:prstDash val="sysDot"/>
+            <a:tailEnd type="triangle"/>
           </a:ln>
         </p:spPr>
         <p:style>
@@ -7964,92 +7922,6 @@
       </p:cxnSp>
       <p:sp>
         <p:nvSpPr>
-          <p:cNvPr id="59" name="Flowchart: Document 58"/>
-          <p:cNvSpPr/>
-          <p:nvPr/>
-        </p:nvSpPr>
-        <p:spPr>
-          <a:xfrm>
-            <a:off x="402278" y="4163620"/>
-            <a:ext cx="1271229" cy="1074656"/>
-          </a:xfrm>
-          <a:prstGeom prst="flowChartDocument">
-            <a:avLst/>
-          </a:prstGeom>
-          <a:solidFill>
-            <a:schemeClr val="accent2"/>
-          </a:solidFill>
-          <a:ln>
-            <a:solidFill>
-              <a:schemeClr val="accent1"/>
-            </a:solidFill>
-          </a:ln>
-        </p:spPr>
-        <p:txBody>
-          <a:bodyPr wrap="square" lIns="0" tIns="0" rIns="0" bIns="0" rtlCol="1" anchor="ctr">
-            <a:noAutofit/>
-          </a:bodyPr>
-          <a:lstStyle/>
-          <a:p>
-            <a:pPr algn="ctr"/>
-            <a:r>
-              <a:rPr lang="en-US" sz="1200" dirty="0" smtClean="0">
-                <a:solidFill>
-                  <a:schemeClr val="bg1"/>
-                </a:solidFill>
-              </a:rPr>
-              <a:t>SWIFT, Local Clearing</a:t>
-            </a:r>
-            <a:endParaRPr lang="he-IL" sz="1200" dirty="0">
-              <a:solidFill>
-                <a:schemeClr val="bg1"/>
-              </a:solidFill>
-            </a:endParaRPr>
-          </a:p>
-        </p:txBody>
-      </p:sp>
-      <p:cxnSp>
-        <p:nvCxnSpPr>
-          <p:cNvPr id="61" name="Straight Arrow Connector 60"/>
-          <p:cNvCxnSpPr>
-            <a:stCxn id="57" idx="1"/>
-            <a:endCxn id="59" idx="3"/>
-          </p:cNvCxnSpPr>
-          <p:nvPr/>
-        </p:nvCxnSpPr>
-        <p:spPr>
-          <a:xfrm flipH="1" flipV="1">
-            <a:off x="1673507" y="4700948"/>
-            <a:ext cx="483901" cy="7013"/>
-          </a:xfrm>
-          <a:prstGeom prst="straightConnector1">
-            <a:avLst/>
-          </a:prstGeom>
-          <a:ln w="28575" cmpd="sng">
-            <a:solidFill>
-              <a:schemeClr val="accent2"/>
-            </a:solidFill>
-            <a:prstDash val="sysDot"/>
-            <a:tailEnd type="triangle" w="lg" len="lg"/>
-          </a:ln>
-        </p:spPr>
-        <p:style>
-          <a:lnRef idx="1">
-            <a:schemeClr val="accent1"/>
-          </a:lnRef>
-          <a:fillRef idx="0">
-            <a:schemeClr val="accent1"/>
-          </a:fillRef>
-          <a:effectRef idx="0">
-            <a:schemeClr val="accent1"/>
-          </a:effectRef>
-          <a:fontRef idx="minor">
-            <a:schemeClr val="tx1"/>
-          </a:fontRef>
-        </p:style>
-      </p:cxnSp>
-      <p:sp>
-        <p:nvSpPr>
           <p:cNvPr id="65" name="TextBox 64"/>
           <p:cNvSpPr txBox="1"/>
           <p:nvPr/>
@@ -8075,22 +7947,24 @@
           <a:bodyPr wrap="square" lIns="0" tIns="0" rIns="0" bIns="0" rtlCol="1" anchor="ctr">
             <a:noAutofit/>
           </a:bodyPr>
-          <a:lstStyle/>
-          <a:p>
-            <a:pPr algn="ctr"/>
-            <a:r>
-              <a:rPr lang="en-US" sz="1200" dirty="0" smtClean="0">
+          <a:lstStyle>
+            <a:defPPr>
+              <a:defRPr lang="en-US"/>
+            </a:defPPr>
+            <a:lvl1pPr algn="ctr">
+              <a:defRPr sz="1200">
                 <a:solidFill>
                   <a:schemeClr val="bg1"/>
                 </a:solidFill>
-              </a:rPr>
+              </a:defRPr>
+            </a:lvl1pPr>
+          </a:lstStyle>
+          <a:p>
+            <a:r>
+              <a:rPr lang="en-US" dirty="0"/>
               <a:t>Balance Inquiry</a:t>
             </a:r>
-            <a:endParaRPr lang="he-IL" sz="1200" dirty="0" err="1" smtClean="0">
-              <a:solidFill>
-                <a:schemeClr val="bg1"/>
-              </a:solidFill>
-            </a:endParaRPr>
+            <a:endParaRPr lang="he-IL" dirty="0" err="1"/>
           </a:p>
         </p:txBody>
       </p:sp>
@@ -8098,7 +7972,6 @@
         <p:nvCxnSpPr>
           <p:cNvPr id="66" name="Straight Arrow Connector 65"/>
           <p:cNvCxnSpPr>
-            <a:stCxn id="55" idx="2"/>
             <a:endCxn id="65" idx="0"/>
           </p:cNvCxnSpPr>
           <p:nvPr/>
@@ -8161,22 +8034,24 @@
           <a:bodyPr wrap="square" lIns="0" tIns="0" rIns="0" bIns="0" rtlCol="1" anchor="ctr">
             <a:noAutofit/>
           </a:bodyPr>
-          <a:lstStyle/>
-          <a:p>
-            <a:pPr algn="ctr"/>
-            <a:r>
-              <a:rPr lang="en-US" sz="1200" dirty="0" smtClean="0">
+          <a:lstStyle>
+            <a:defPPr>
+              <a:defRPr lang="en-US"/>
+            </a:defPPr>
+            <a:lvl1pPr algn="ctr">
+              <a:defRPr sz="1200">
                 <a:solidFill>
                   <a:schemeClr val="bg1"/>
                 </a:solidFill>
-              </a:rPr>
+              </a:defRPr>
+            </a:lvl1pPr>
+          </a:lstStyle>
+          <a:p>
+            <a:r>
+              <a:rPr lang="en-US" dirty="0"/>
               <a:t>Accounting System</a:t>
             </a:r>
-            <a:endParaRPr lang="he-IL" sz="1200" dirty="0" err="1" smtClean="0">
-              <a:solidFill>
-                <a:schemeClr val="bg1"/>
-              </a:solidFill>
-            </a:endParaRPr>
+            <a:endParaRPr lang="he-IL" dirty="0" err="1"/>
           </a:p>
         </p:txBody>
       </p:sp>
@@ -8184,15 +8059,14 @@
         <p:nvCxnSpPr>
           <p:cNvPr id="68" name="Straight Arrow Connector 67"/>
           <p:cNvCxnSpPr>
-            <a:stCxn id="57" idx="2"/>
             <a:endCxn id="67" idx="0"/>
           </p:cNvCxnSpPr>
           <p:nvPr/>
         </p:nvCxnSpPr>
         <p:spPr>
-          <a:xfrm>
+          <a:xfrm flipH="1">
             <a:off x="3128369" y="5127453"/>
-            <a:ext cx="0" cy="580111"/>
+            <a:ext cx="1" cy="580111"/>
           </a:xfrm>
           <a:prstGeom prst="straightConnector1">
             <a:avLst/>
@@ -8220,410 +8094,18 @@
           </a:fontRef>
         </p:style>
       </p:cxnSp>
-      <p:sp>
-        <p:nvSpPr>
-          <p:cNvPr id="2" name="TextBox 1"/>
-          <p:cNvSpPr txBox="1"/>
-          <p:nvPr/>
-        </p:nvSpPr>
-        <p:spPr>
-          <a:xfrm>
-            <a:off x="2111689" y="3407426"/>
-            <a:ext cx="45719" cy="45719"/>
-          </a:xfrm>
-          <a:prstGeom prst="rect">
-            <a:avLst/>
-          </a:prstGeom>
-          <a:noFill/>
-        </p:spPr>
-        <p:txBody>
-          <a:bodyPr wrap="square" lIns="0" tIns="0" rIns="0" bIns="0" rtlCol="1">
-            <a:noAutofit/>
-          </a:bodyPr>
-          <a:lstStyle/>
-          <a:p>
-            <a:endParaRPr lang="he-IL" dirty="0" err="1" smtClean="0">
-              <a:solidFill>
-                <a:schemeClr val="tx2"/>
-              </a:solidFill>
-            </a:endParaRPr>
-          </a:p>
-        </p:txBody>
-      </p:sp>
-      <p:sp>
-        <p:nvSpPr>
-          <p:cNvPr id="39" name="TextBox 38"/>
-          <p:cNvSpPr txBox="1"/>
-          <p:nvPr/>
-        </p:nvSpPr>
-        <p:spPr>
-          <a:xfrm>
-            <a:off x="1053697" y="1250579"/>
-            <a:ext cx="1759842" cy="444397"/>
-          </a:xfrm>
-          <a:prstGeom prst="rect">
-            <a:avLst/>
-          </a:prstGeom>
-          <a:noFill/>
-        </p:spPr>
-        <p:txBody>
-          <a:bodyPr wrap="square" lIns="0" tIns="0" rIns="0" bIns="0" rtlCol="1">
-            <a:noAutofit/>
-          </a:bodyPr>
-          <a:lstStyle/>
-          <a:p>
-            <a:r>
-              <a:rPr lang="en-US" sz="1400" b="1" dirty="0" smtClean="0">
-                <a:solidFill>
-                  <a:schemeClr val="accent1"/>
-                </a:solidFill>
-                <a:latin typeface="Courier" pitchFamily="49" charset="0"/>
-              </a:rPr>
-              <a:t>&lt;</a:t>
-            </a:r>
-            <a:r>
-              <a:rPr lang="en-US" sz="1400" b="1" dirty="0" err="1" smtClean="0">
-                <a:solidFill>
-                  <a:schemeClr val="accent1"/>
-                </a:solidFill>
-                <a:latin typeface="Courier" pitchFamily="49" charset="0"/>
-              </a:rPr>
-              <a:t>FndtMsg</a:t>
-            </a:r>
-            <a:r>
-              <a:rPr lang="en-US" sz="1400" b="1" dirty="0" smtClean="0">
-                <a:solidFill>
-                  <a:schemeClr val="accent1"/>
-                </a:solidFill>
-                <a:latin typeface="Courier" pitchFamily="49" charset="0"/>
-              </a:rPr>
-              <a:t>&gt; </a:t>
-            </a:r>
-            <a:r>
-              <a:rPr lang="en-US" sz="1400" dirty="0" smtClean="0"/>
-              <a:t>from </a:t>
-            </a:r>
-            <a:r>
-              <a:rPr lang="en-US" sz="1200" b="1" dirty="0" smtClean="0"/>
-              <a:t>pain, </a:t>
-            </a:r>
-            <a:r>
-              <a:rPr lang="en-US" sz="1200" b="1" dirty="0" err="1" smtClean="0"/>
-              <a:t>pacs</a:t>
-            </a:r>
-            <a:r>
-              <a:rPr lang="en-US" sz="1200" b="1" dirty="0" smtClean="0"/>
-              <a:t>, SWIFT, etc.</a:t>
-            </a:r>
-            <a:endParaRPr lang="he-IL" sz="1200" b="1" dirty="0" err="1" smtClean="0"/>
-          </a:p>
-        </p:txBody>
-      </p:sp>
-      <p:sp>
-        <p:nvSpPr>
-          <p:cNvPr id="40" name="TextBox 39"/>
-          <p:cNvSpPr txBox="1"/>
-          <p:nvPr/>
-        </p:nvSpPr>
-        <p:spPr>
-          <a:xfrm>
-            <a:off x="8532674" y="1701233"/>
-            <a:ext cx="1228726" cy="281320"/>
-          </a:xfrm>
-          <a:prstGeom prst="rect">
-            <a:avLst/>
-          </a:prstGeom>
-          <a:noFill/>
-        </p:spPr>
-        <p:txBody>
-          <a:bodyPr wrap="square" lIns="0" tIns="0" rIns="0" bIns="0" rtlCol="1">
-            <a:noAutofit/>
-          </a:bodyPr>
-          <a:lstStyle/>
-          <a:p>
-            <a:pPr algn="ctr"/>
-            <a:r>
-              <a:rPr lang="en-US" sz="1400" b="1" dirty="0" smtClean="0">
-                <a:solidFill>
-                  <a:schemeClr val="accent1"/>
-                </a:solidFill>
-                <a:latin typeface="Courier" pitchFamily="49" charset="0"/>
-              </a:rPr>
-              <a:t>&lt;</a:t>
-            </a:r>
-            <a:r>
-              <a:rPr lang="en-US" sz="1400" b="1" dirty="0" err="1" smtClean="0">
-                <a:solidFill>
-                  <a:schemeClr val="accent1"/>
-                </a:solidFill>
-                <a:latin typeface="Courier" pitchFamily="49" charset="0"/>
-              </a:rPr>
-              <a:t>FndtMsg</a:t>
-            </a:r>
-            <a:r>
-              <a:rPr lang="en-US" sz="1400" b="1" dirty="0" smtClean="0">
-                <a:solidFill>
-                  <a:schemeClr val="accent1"/>
-                </a:solidFill>
-                <a:latin typeface="Courier" pitchFamily="49" charset="0"/>
-              </a:rPr>
-              <a:t>&gt;</a:t>
-            </a:r>
-            <a:endParaRPr lang="he-IL" sz="1400" b="1" dirty="0" err="1" smtClean="0">
-              <a:solidFill>
-                <a:schemeClr val="accent1"/>
-              </a:solidFill>
-              <a:latin typeface="Courier" pitchFamily="49" charset="0"/>
-            </a:endParaRPr>
-          </a:p>
-        </p:txBody>
-      </p:sp>
-      <p:sp>
-        <p:nvSpPr>
-          <p:cNvPr id="42" name="TextBox 41"/>
-          <p:cNvSpPr txBox="1"/>
-          <p:nvPr/>
-        </p:nvSpPr>
-        <p:spPr>
-          <a:xfrm>
-            <a:off x="5516440" y="3026381"/>
-            <a:ext cx="1228726" cy="281320"/>
-          </a:xfrm>
-          <a:prstGeom prst="rect">
-            <a:avLst/>
-          </a:prstGeom>
-          <a:noFill/>
-        </p:spPr>
-        <p:txBody>
-          <a:bodyPr wrap="square" lIns="0" tIns="0" rIns="0" bIns="0" rtlCol="1">
-            <a:noAutofit/>
-          </a:bodyPr>
-          <a:lstStyle/>
-          <a:p>
-            <a:pPr algn="ctr"/>
-            <a:r>
-              <a:rPr lang="en-US" sz="1400" b="1" dirty="0" smtClean="0">
-                <a:solidFill>
-                  <a:schemeClr val="accent1"/>
-                </a:solidFill>
-                <a:latin typeface="Courier" pitchFamily="49" charset="0"/>
-              </a:rPr>
-              <a:t>&lt;</a:t>
-            </a:r>
-            <a:r>
-              <a:rPr lang="en-US" sz="1400" b="1" dirty="0" err="1" smtClean="0">
-                <a:solidFill>
-                  <a:schemeClr val="accent1"/>
-                </a:solidFill>
-                <a:latin typeface="Courier" pitchFamily="49" charset="0"/>
-              </a:rPr>
-              <a:t>FndtMsg</a:t>
-            </a:r>
-            <a:r>
-              <a:rPr lang="en-US" sz="1400" b="1" dirty="0" smtClean="0">
-                <a:solidFill>
-                  <a:schemeClr val="accent1"/>
-                </a:solidFill>
-                <a:latin typeface="Courier" pitchFamily="49" charset="0"/>
-              </a:rPr>
-              <a:t>&gt;</a:t>
-            </a:r>
-            <a:endParaRPr lang="he-IL" sz="1400" b="1" dirty="0" err="1" smtClean="0">
-              <a:solidFill>
-                <a:schemeClr val="accent1"/>
-              </a:solidFill>
-              <a:latin typeface="Courier" pitchFamily="49" charset="0"/>
-            </a:endParaRPr>
-          </a:p>
-        </p:txBody>
-      </p:sp>
-      <p:sp>
-        <p:nvSpPr>
-          <p:cNvPr id="44" name="TextBox 43"/>
-          <p:cNvSpPr txBox="1"/>
-          <p:nvPr/>
-        </p:nvSpPr>
-        <p:spPr>
-          <a:xfrm>
-            <a:off x="9087581" y="3011728"/>
-            <a:ext cx="1228726" cy="281320"/>
-          </a:xfrm>
-          <a:prstGeom prst="rect">
-            <a:avLst/>
-          </a:prstGeom>
-          <a:noFill/>
-        </p:spPr>
-        <p:txBody>
-          <a:bodyPr wrap="square" lIns="0" tIns="0" rIns="0" bIns="0" rtlCol="1">
-            <a:noAutofit/>
-          </a:bodyPr>
-          <a:lstStyle/>
-          <a:p>
-            <a:pPr algn="ctr"/>
-            <a:r>
-              <a:rPr lang="en-US" sz="1400" b="1" dirty="0" smtClean="0">
-                <a:solidFill>
-                  <a:schemeClr val="accent1"/>
-                </a:solidFill>
-                <a:latin typeface="Courier" pitchFamily="49" charset="0"/>
-              </a:rPr>
-              <a:t>&lt;</a:t>
-            </a:r>
-            <a:r>
-              <a:rPr lang="en-US" sz="1400" b="1" dirty="0" err="1" smtClean="0">
-                <a:solidFill>
-                  <a:schemeClr val="accent1"/>
-                </a:solidFill>
-                <a:latin typeface="Courier" pitchFamily="49" charset="0"/>
-              </a:rPr>
-              <a:t>FndtMsg</a:t>
-            </a:r>
-            <a:r>
-              <a:rPr lang="en-US" sz="1400" b="1" dirty="0" smtClean="0">
-                <a:solidFill>
-                  <a:schemeClr val="accent1"/>
-                </a:solidFill>
-                <a:latin typeface="Courier" pitchFamily="49" charset="0"/>
-              </a:rPr>
-              <a:t>&gt;</a:t>
-            </a:r>
-            <a:endParaRPr lang="he-IL" sz="1400" b="1" dirty="0" err="1" smtClean="0">
-              <a:solidFill>
-                <a:schemeClr val="accent1"/>
-              </a:solidFill>
-              <a:latin typeface="Courier" pitchFamily="49" charset="0"/>
-            </a:endParaRPr>
-          </a:p>
-        </p:txBody>
-      </p:sp>
-      <p:sp>
-        <p:nvSpPr>
-          <p:cNvPr id="45" name="TextBox 44"/>
-          <p:cNvSpPr txBox="1"/>
-          <p:nvPr/>
-        </p:nvSpPr>
-        <p:spPr>
-          <a:xfrm>
-            <a:off x="5524348" y="5307684"/>
-            <a:ext cx="1228726" cy="281320"/>
-          </a:xfrm>
-          <a:prstGeom prst="rect">
-            <a:avLst/>
-          </a:prstGeom>
-          <a:noFill/>
-        </p:spPr>
-        <p:txBody>
-          <a:bodyPr wrap="square" lIns="0" tIns="0" rIns="0" bIns="0" rtlCol="1">
-            <a:noAutofit/>
-          </a:bodyPr>
-          <a:lstStyle/>
-          <a:p>
-            <a:pPr algn="ctr"/>
-            <a:r>
-              <a:rPr lang="en-US" sz="1400" b="1" dirty="0" smtClean="0">
-                <a:solidFill>
-                  <a:schemeClr val="accent1"/>
-                </a:solidFill>
-                <a:latin typeface="Courier" pitchFamily="49" charset="0"/>
-              </a:rPr>
-              <a:t>&lt;</a:t>
-            </a:r>
-            <a:r>
-              <a:rPr lang="en-US" sz="1400" b="1" dirty="0" err="1" smtClean="0">
-                <a:solidFill>
-                  <a:schemeClr val="accent1"/>
-                </a:solidFill>
-                <a:latin typeface="Courier" pitchFamily="49" charset="0"/>
-              </a:rPr>
-              <a:t>FndtMsg</a:t>
-            </a:r>
-            <a:r>
-              <a:rPr lang="en-US" sz="1400" b="1" dirty="0" smtClean="0">
-                <a:solidFill>
-                  <a:schemeClr val="accent1"/>
-                </a:solidFill>
-                <a:latin typeface="Courier" pitchFamily="49" charset="0"/>
-              </a:rPr>
-              <a:t>&gt;</a:t>
-            </a:r>
-            <a:endParaRPr lang="he-IL" sz="1400" b="1" dirty="0" err="1" smtClean="0">
-              <a:solidFill>
-                <a:schemeClr val="accent1"/>
-              </a:solidFill>
-              <a:latin typeface="Courier" pitchFamily="49" charset="0"/>
-            </a:endParaRPr>
-          </a:p>
-        </p:txBody>
-      </p:sp>
-      <p:sp>
-        <p:nvSpPr>
-          <p:cNvPr id="46" name="TextBox 45"/>
-          <p:cNvSpPr txBox="1"/>
-          <p:nvPr/>
-        </p:nvSpPr>
-        <p:spPr>
-          <a:xfrm>
-            <a:off x="3105292" y="5307682"/>
-            <a:ext cx="1228726" cy="281320"/>
-          </a:xfrm>
-          <a:prstGeom prst="rect">
-            <a:avLst/>
-          </a:prstGeom>
-          <a:noFill/>
-        </p:spPr>
-        <p:txBody>
-          <a:bodyPr wrap="square" lIns="0" tIns="0" rIns="0" bIns="0" rtlCol="1">
-            <a:noAutofit/>
-          </a:bodyPr>
-          <a:lstStyle/>
-          <a:p>
-            <a:pPr algn="ctr"/>
-            <a:r>
-              <a:rPr lang="en-US" sz="1400" b="1" dirty="0" smtClean="0">
-                <a:solidFill>
-                  <a:schemeClr val="accent1"/>
-                </a:solidFill>
-                <a:latin typeface="Courier" pitchFamily="49" charset="0"/>
-              </a:rPr>
-              <a:t>&lt;</a:t>
-            </a:r>
-            <a:r>
-              <a:rPr lang="en-US" sz="1400" b="1" dirty="0" err="1" smtClean="0">
-                <a:solidFill>
-                  <a:schemeClr val="accent1"/>
-                </a:solidFill>
-                <a:latin typeface="Courier" pitchFamily="49" charset="0"/>
-              </a:rPr>
-              <a:t>FndtMsg</a:t>
-            </a:r>
-            <a:r>
-              <a:rPr lang="en-US" sz="1400" b="1" dirty="0" smtClean="0">
-                <a:solidFill>
-                  <a:schemeClr val="accent1"/>
-                </a:solidFill>
-                <a:latin typeface="Courier" pitchFamily="49" charset="0"/>
-              </a:rPr>
-              <a:t>&gt;</a:t>
-            </a:r>
-            <a:endParaRPr lang="he-IL" sz="1400" b="1" dirty="0" err="1" smtClean="0">
-              <a:solidFill>
-                <a:schemeClr val="accent1"/>
-              </a:solidFill>
-              <a:latin typeface="Courier" pitchFamily="49" charset="0"/>
-            </a:endParaRPr>
-          </a:p>
-        </p:txBody>
-      </p:sp>
       <p:cxnSp>
         <p:nvCxnSpPr>
-          <p:cNvPr id="49" name="Straight Arrow Connector 48"/>
-          <p:cNvCxnSpPr/>
+          <p:cNvPr id="38" name="Straight Arrow Connector 37"/>
+          <p:cNvCxnSpPr>
+            <a:stCxn id="20" idx="0"/>
+          </p:cNvCxnSpPr>
           <p:nvPr/>
         </p:nvCxnSpPr>
         <p:spPr>
-          <a:xfrm>
-            <a:off x="5343374" y="2837466"/>
-            <a:ext cx="0" cy="569959"/>
+          <a:xfrm flipH="1" flipV="1">
+            <a:off x="7913312" y="1414021"/>
+            <a:ext cx="7017" cy="584461"/>
           </a:xfrm>
           <a:prstGeom prst="straightConnector1">
             <a:avLst/>
@@ -8634,7 +8116,7 @@
             </a:solidFill>
             <a:prstDash val="sysDot"/>
             <a:headEnd type="triangle"/>
-            <a:tailEnd type="none"/>
+            <a:tailEnd type="triangle"/>
           </a:ln>
         </p:spPr>
         <p:style>
@@ -8652,16 +8134,67 @@
           </a:fontRef>
         </p:style>
       </p:cxnSp>
+      <p:sp>
+        <p:nvSpPr>
+          <p:cNvPr id="39" name="TextBox 38"/>
+          <p:cNvSpPr txBox="1"/>
+          <p:nvPr/>
+        </p:nvSpPr>
+        <p:spPr>
+          <a:xfrm>
+            <a:off x="6949366" y="5702488"/>
+            <a:ext cx="1941922" cy="311084"/>
+          </a:xfrm>
+          <a:prstGeom prst="rect">
+            <a:avLst/>
+          </a:prstGeom>
+          <a:solidFill>
+            <a:schemeClr val="accent2"/>
+          </a:solidFill>
+          <a:ln>
+            <a:solidFill>
+              <a:schemeClr val="accent1"/>
+            </a:solidFill>
+          </a:ln>
+        </p:spPr>
+        <p:txBody>
+          <a:bodyPr wrap="square" lIns="0" tIns="0" rIns="0" bIns="0" rtlCol="1" anchor="ctr">
+            <a:noAutofit/>
+          </a:bodyPr>
+          <a:lstStyle>
+            <a:defPPr>
+              <a:defRPr lang="en-US"/>
+            </a:defPPr>
+            <a:lvl1pPr algn="ctr">
+              <a:defRPr sz="1200">
+                <a:solidFill>
+                  <a:schemeClr val="bg1"/>
+                </a:solidFill>
+              </a:defRPr>
+            </a:lvl1pPr>
+          </a:lstStyle>
+          <a:p>
+            <a:r>
+              <a:rPr lang="en-US" dirty="0"/>
+              <a:t>Advising System</a:t>
+            </a:r>
+            <a:endParaRPr lang="he-IL" dirty="0" err="1"/>
+          </a:p>
+        </p:txBody>
+      </p:sp>
       <p:cxnSp>
         <p:nvCxnSpPr>
-          <p:cNvPr id="50" name="Straight Arrow Connector 49"/>
-          <p:cNvCxnSpPr/>
+          <p:cNvPr id="40" name="Straight Arrow Connector 39"/>
+          <p:cNvCxnSpPr>
+            <a:stCxn id="39" idx="3"/>
+            <a:endCxn id="4" idx="1"/>
+          </p:cNvCxnSpPr>
           <p:nvPr/>
         </p:nvCxnSpPr>
         <p:spPr>
-          <a:xfrm>
-            <a:off x="2933549" y="5094417"/>
-            <a:ext cx="0" cy="569959"/>
+          <a:xfrm flipV="1">
+            <a:off x="8891288" y="5849138"/>
+            <a:ext cx="454059" cy="8892"/>
           </a:xfrm>
           <a:prstGeom prst="straightConnector1">
             <a:avLst/>
@@ -8671,8 +8204,7 @@
               <a:schemeClr val="accent2"/>
             </a:solidFill>
             <a:prstDash val="sysDot"/>
-            <a:headEnd type="triangle"/>
-            <a:tailEnd type="none"/>
+            <a:tailEnd type="triangle"/>
           </a:ln>
         </p:spPr>
         <p:style>
@@ -8690,168 +8222,125 @@
           </a:fontRef>
         </p:style>
       </p:cxnSp>
-      <p:cxnSp>
-        <p:nvCxnSpPr>
-          <p:cNvPr id="53" name="Straight Arrow Connector 52"/>
-          <p:cNvCxnSpPr/>
+      <p:sp>
+        <p:nvSpPr>
+          <p:cNvPr id="4" name="TextBox 3"/>
+          <p:cNvSpPr txBox="1"/>
           <p:nvPr/>
-        </p:nvCxnSpPr>
+        </p:nvSpPr>
         <p:spPr>
           <a:xfrm>
-            <a:off x="5343374" y="5127452"/>
-            <a:ext cx="0" cy="569959"/>
+            <a:off x="9345347" y="5498061"/>
+            <a:ext cx="1941921" cy="702153"/>
           </a:xfrm>
-          <a:prstGeom prst="straightConnector1">
+          <a:prstGeom prst="rect">
             <a:avLst/>
           </a:prstGeom>
-          <a:ln w="41275" cmpd="sng">
+          <a:solidFill>
+            <a:schemeClr val="bg2"/>
+          </a:solidFill>
+          <a:ln>
             <a:solidFill>
-              <a:schemeClr val="accent2"/>
+              <a:schemeClr val="accent2">
+                <a:lumMod val="40000"/>
+                <a:lumOff val="60000"/>
+                <a:alpha val="44000"/>
+              </a:schemeClr>
             </a:solidFill>
-            <a:prstDash val="sysDot"/>
-            <a:headEnd type="triangle"/>
-            <a:tailEnd type="none"/>
           </a:ln>
         </p:spPr>
-        <p:style>
-          <a:lnRef idx="1">
-            <a:schemeClr val="accent1"/>
-          </a:lnRef>
-          <a:fillRef idx="0">
-            <a:schemeClr val="accent1"/>
-          </a:fillRef>
-          <a:effectRef idx="0">
-            <a:schemeClr val="accent1"/>
-          </a:effectRef>
-          <a:fontRef idx="minor">
-            <a:schemeClr val="tx1"/>
-          </a:fontRef>
-        </p:style>
-      </p:cxnSp>
-      <p:cxnSp>
-        <p:nvCxnSpPr>
-          <p:cNvPr id="54" name="Straight Arrow Connector 53"/>
-          <p:cNvCxnSpPr/>
+        <p:txBody>
+          <a:bodyPr wrap="square" lIns="0" tIns="0" rIns="0" bIns="0" rtlCol="1" anchor="ctr">
+            <a:noAutofit/>
+          </a:bodyPr>
+          <a:lstStyle>
+            <a:defPPr>
+              <a:defRPr lang="en-US"/>
+            </a:defPPr>
+            <a:lvl1pPr algn="ctr">
+              <a:defRPr sz="1200">
+                <a:solidFill>
+                  <a:schemeClr val="bg2">
+                    <a:lumMod val="75000"/>
+                  </a:schemeClr>
+                </a:solidFill>
+              </a:defRPr>
+            </a:lvl1pPr>
+            <a:lvl2pPr>
+              <a:defRPr>
+                <a:solidFill>
+                  <a:schemeClr val="tx1"/>
+                </a:solidFill>
+              </a:defRPr>
+            </a:lvl2pPr>
+            <a:lvl3pPr>
+              <a:defRPr>
+                <a:solidFill>
+                  <a:schemeClr val="tx1"/>
+                </a:solidFill>
+              </a:defRPr>
+            </a:lvl3pPr>
+            <a:lvl4pPr>
+              <a:defRPr>
+                <a:solidFill>
+                  <a:schemeClr val="tx1"/>
+                </a:solidFill>
+              </a:defRPr>
+            </a:lvl4pPr>
+            <a:lvl5pPr>
+              <a:defRPr>
+                <a:solidFill>
+                  <a:schemeClr val="tx1"/>
+                </a:solidFill>
+              </a:defRPr>
+            </a:lvl5pPr>
+            <a:lvl6pPr>
+              <a:defRPr>
+                <a:solidFill>
+                  <a:schemeClr val="tx1"/>
+                </a:solidFill>
+              </a:defRPr>
+            </a:lvl6pPr>
+            <a:lvl7pPr>
+              <a:defRPr>
+                <a:solidFill>
+                  <a:schemeClr val="tx1"/>
+                </a:solidFill>
+              </a:defRPr>
+            </a:lvl7pPr>
+            <a:lvl8pPr>
+              <a:defRPr>
+                <a:solidFill>
+                  <a:schemeClr val="tx1"/>
+                </a:solidFill>
+              </a:defRPr>
+            </a:lvl8pPr>
+            <a:lvl9pPr>
+              <a:defRPr>
+                <a:solidFill>
+                  <a:schemeClr val="tx1"/>
+                </a:solidFill>
+              </a:defRPr>
+            </a:lvl9pPr>
+          </a:lstStyle>
+          <a:p>
+            <a:r>
+              <a:rPr lang="en-US" dirty="0"/>
+              <a:t>Available at every complete or intermediate status</a:t>
+            </a:r>
+          </a:p>
+        </p:txBody>
+      </p:sp>
+      <p:sp>
+        <p:nvSpPr>
+          <p:cNvPr id="37" name="TextBox 36"/>
+          <p:cNvSpPr txBox="1"/>
           <p:nvPr/>
-        </p:nvCxnSpPr>
+        </p:nvSpPr>
         <p:spPr>
           <a:xfrm>
-            <a:off x="10467824" y="2837465"/>
-            <a:ext cx="0" cy="569959"/>
-          </a:xfrm>
-          <a:prstGeom prst="straightConnector1">
-            <a:avLst/>
-          </a:prstGeom>
-          <a:ln w="41275" cmpd="sng">
-            <a:solidFill>
-              <a:schemeClr val="accent2"/>
-            </a:solidFill>
-            <a:prstDash val="sysDot"/>
-            <a:headEnd type="triangle"/>
-            <a:tailEnd type="none"/>
-          </a:ln>
-        </p:spPr>
-        <p:style>
-          <a:lnRef idx="1">
-            <a:schemeClr val="accent1"/>
-          </a:lnRef>
-          <a:fillRef idx="0">
-            <a:schemeClr val="accent1"/>
-          </a:fillRef>
-          <a:effectRef idx="0">
-            <a:schemeClr val="accent1"/>
-          </a:effectRef>
-          <a:fontRef idx="minor">
-            <a:schemeClr val="tx1"/>
-          </a:fontRef>
-        </p:style>
-      </p:cxnSp>
-      <p:cxnSp>
-        <p:nvCxnSpPr>
-          <p:cNvPr id="64" name="Straight Arrow Connector 63"/>
-          <p:cNvCxnSpPr/>
-          <p:nvPr/>
-        </p:nvCxnSpPr>
-        <p:spPr>
-          <a:xfrm flipV="1">
-            <a:off x="10467824" y="1607268"/>
-            <a:ext cx="0" cy="391214"/>
-          </a:xfrm>
-          <a:prstGeom prst="straightConnector1">
-            <a:avLst/>
-          </a:prstGeom>
-          <a:ln w="41275" cmpd="sng">
-            <a:solidFill>
-              <a:schemeClr val="accent2"/>
-            </a:solidFill>
-            <a:prstDash val="sysDot"/>
-            <a:headEnd type="triangle"/>
-            <a:tailEnd type="none"/>
-          </a:ln>
-        </p:spPr>
-        <p:style>
-          <a:lnRef idx="1">
-            <a:schemeClr val="accent1"/>
-          </a:lnRef>
-          <a:fillRef idx="0">
-            <a:schemeClr val="accent1"/>
-          </a:fillRef>
-          <a:effectRef idx="0">
-            <a:schemeClr val="accent1"/>
-          </a:effectRef>
-          <a:fontRef idx="minor">
-            <a:schemeClr val="tx1"/>
-          </a:fontRef>
-        </p:style>
-      </p:cxnSp>
-      <p:cxnSp>
-        <p:nvCxnSpPr>
-          <p:cNvPr id="69" name="Straight Arrow Connector 68"/>
-          <p:cNvCxnSpPr/>
-          <p:nvPr/>
-        </p:nvCxnSpPr>
-        <p:spPr>
-          <a:xfrm flipV="1">
-            <a:off x="8010374" y="1607268"/>
-            <a:ext cx="0" cy="391214"/>
-          </a:xfrm>
-          <a:prstGeom prst="straightConnector1">
-            <a:avLst/>
-          </a:prstGeom>
-          <a:ln w="41275" cmpd="sng">
-            <a:solidFill>
-              <a:schemeClr val="accent2"/>
-            </a:solidFill>
-            <a:prstDash val="sysDot"/>
-            <a:headEnd type="triangle"/>
-            <a:tailEnd type="none"/>
-          </a:ln>
-        </p:spPr>
-        <p:style>
-          <a:lnRef idx="1">
-            <a:schemeClr val="accent1"/>
-          </a:lnRef>
-          <a:fillRef idx="0">
-            <a:schemeClr val="accent1"/>
-          </a:fillRef>
-          <a:effectRef idx="0">
-            <a:schemeClr val="accent1"/>
-          </a:effectRef>
-          <a:fontRef idx="minor">
-            <a:schemeClr val="tx1"/>
-          </a:fontRef>
-        </p:style>
-      </p:cxnSp>
-      <p:sp>
-        <p:nvSpPr>
-          <p:cNvPr id="70" name="TextBox 69"/>
-          <p:cNvSpPr txBox="1"/>
-          <p:nvPr/>
-        </p:nvSpPr>
-        <p:spPr>
-          <a:xfrm>
-            <a:off x="1212239" y="3519820"/>
-            <a:ext cx="1721310" cy="444397"/>
+            <a:off x="402278" y="1325949"/>
+            <a:ext cx="1759842" cy="444397"/>
           </a:xfrm>
           <a:prstGeom prst="rect">
             <a:avLst/>
@@ -8893,10 +8382,8 @@
             </a:r>
             <a:r>
               <a:rPr lang="en-US" sz="1400" dirty="0" smtClean="0"/>
-              <a:t>to </a:t>
-            </a:r>
-          </a:p>
-          <a:p>
+              <a:t>from </a:t>
+            </a:r>
             <a:r>
               <a:rPr lang="en-US" sz="1200" b="1" dirty="0" smtClean="0"/>
               <a:t>pain, </a:t>
@@ -8907,16 +8394,321 @@
             </a:r>
             <a:r>
               <a:rPr lang="en-US" sz="1200" b="1" dirty="0" smtClean="0"/>
-              <a:t>, SWIFT etc. </a:t>
+              <a:t>, SWIFT, etc.</a:t>
             </a:r>
             <a:endParaRPr lang="he-IL" sz="1200" b="1" dirty="0" err="1" smtClean="0"/>
+          </a:p>
+        </p:txBody>
+      </p:sp>
+      <p:sp>
+        <p:nvSpPr>
+          <p:cNvPr id="42" name="TextBox 41"/>
+          <p:cNvSpPr txBox="1"/>
+          <p:nvPr/>
+        </p:nvSpPr>
+        <p:spPr>
+          <a:xfrm>
+            <a:off x="418083" y="3604841"/>
+            <a:ext cx="1759842" cy="444397"/>
+          </a:xfrm>
+          <a:prstGeom prst="rect">
+            <a:avLst/>
+          </a:prstGeom>
+          <a:noFill/>
+        </p:spPr>
+        <p:txBody>
+          <a:bodyPr wrap="square" lIns="0" tIns="0" rIns="0" bIns="0" rtlCol="1">
+            <a:noAutofit/>
+          </a:bodyPr>
+          <a:lstStyle/>
+          <a:p>
+            <a:r>
+              <a:rPr lang="en-US" sz="1400" b="1" dirty="0" smtClean="0">
+                <a:solidFill>
+                  <a:schemeClr val="accent1"/>
+                </a:solidFill>
+                <a:latin typeface="Courier" pitchFamily="49" charset="0"/>
+              </a:rPr>
+              <a:t>&lt;</a:t>
+            </a:r>
+            <a:r>
+              <a:rPr lang="en-US" sz="1400" b="1" dirty="0" err="1" smtClean="0">
+                <a:solidFill>
+                  <a:schemeClr val="accent1"/>
+                </a:solidFill>
+                <a:latin typeface="Courier" pitchFamily="49" charset="0"/>
+              </a:rPr>
+              <a:t>FndtMsg</a:t>
+            </a:r>
+            <a:r>
+              <a:rPr lang="en-US" sz="1400" b="1" dirty="0" smtClean="0">
+                <a:solidFill>
+                  <a:schemeClr val="accent1"/>
+                </a:solidFill>
+                <a:latin typeface="Courier" pitchFamily="49" charset="0"/>
+              </a:rPr>
+              <a:t>&gt; </a:t>
+            </a:r>
+            <a:r>
+              <a:rPr lang="en-US" sz="1400" dirty="0" smtClean="0"/>
+              <a:t>from </a:t>
+            </a:r>
+            <a:r>
+              <a:rPr lang="en-US" sz="1200" b="1" dirty="0" smtClean="0"/>
+              <a:t>pain, </a:t>
+            </a:r>
+            <a:r>
+              <a:rPr lang="en-US" sz="1200" b="1" dirty="0" err="1" smtClean="0"/>
+              <a:t>pacs</a:t>
+            </a:r>
+            <a:r>
+              <a:rPr lang="en-US" sz="1200" b="1" dirty="0" smtClean="0"/>
+              <a:t>, SWIFT, etc.</a:t>
+            </a:r>
+            <a:endParaRPr lang="he-IL" sz="1200" b="1" dirty="0" err="1" smtClean="0"/>
+          </a:p>
+        </p:txBody>
+      </p:sp>
+      <p:sp>
+        <p:nvSpPr>
+          <p:cNvPr id="44" name="TextBox 43"/>
+          <p:cNvSpPr txBox="1"/>
+          <p:nvPr/>
+        </p:nvSpPr>
+        <p:spPr>
+          <a:xfrm>
+            <a:off x="3148883" y="3947884"/>
+            <a:ext cx="1228726" cy="281320"/>
+          </a:xfrm>
+          <a:prstGeom prst="rect">
+            <a:avLst/>
+          </a:prstGeom>
+          <a:noFill/>
+        </p:spPr>
+        <p:txBody>
+          <a:bodyPr wrap="square" lIns="0" tIns="0" rIns="0" bIns="0" rtlCol="1">
+            <a:noAutofit/>
+          </a:bodyPr>
+          <a:lstStyle/>
+          <a:p>
+            <a:pPr algn="ctr"/>
+            <a:r>
+              <a:rPr lang="en-US" sz="1400" b="1" dirty="0" smtClean="0">
+                <a:solidFill>
+                  <a:schemeClr val="accent1"/>
+                </a:solidFill>
+                <a:latin typeface="Courier" pitchFamily="49" charset="0"/>
+              </a:rPr>
+              <a:t>&lt;</a:t>
+            </a:r>
+            <a:r>
+              <a:rPr lang="en-US" sz="1400" b="1" dirty="0" err="1" smtClean="0">
+                <a:solidFill>
+                  <a:schemeClr val="accent1"/>
+                </a:solidFill>
+                <a:latin typeface="Courier" pitchFamily="49" charset="0"/>
+              </a:rPr>
+              <a:t>FndtMsg</a:t>
+            </a:r>
+            <a:r>
+              <a:rPr lang="en-US" sz="1400" b="1" dirty="0" smtClean="0">
+                <a:solidFill>
+                  <a:schemeClr val="accent1"/>
+                </a:solidFill>
+                <a:latin typeface="Courier" pitchFamily="49" charset="0"/>
+              </a:rPr>
+              <a:t>&gt;</a:t>
+            </a:r>
+            <a:endParaRPr lang="he-IL" sz="1400" b="1" dirty="0" err="1" smtClean="0">
+              <a:solidFill>
+                <a:schemeClr val="accent1"/>
+              </a:solidFill>
+              <a:latin typeface="Courier" pitchFamily="49" charset="0"/>
+            </a:endParaRPr>
+          </a:p>
+        </p:txBody>
+      </p:sp>
+      <p:sp>
+        <p:nvSpPr>
+          <p:cNvPr id="45" name="TextBox 44"/>
+          <p:cNvSpPr txBox="1"/>
+          <p:nvPr/>
+        </p:nvSpPr>
+        <p:spPr>
+          <a:xfrm>
+            <a:off x="3148883" y="5174179"/>
+            <a:ext cx="1228726" cy="281320"/>
+          </a:xfrm>
+          <a:prstGeom prst="rect">
+            <a:avLst/>
+          </a:prstGeom>
+          <a:noFill/>
+        </p:spPr>
+        <p:txBody>
+          <a:bodyPr wrap="square" lIns="0" tIns="0" rIns="0" bIns="0" rtlCol="1">
+            <a:noAutofit/>
+          </a:bodyPr>
+          <a:lstStyle/>
+          <a:p>
+            <a:pPr algn="ctr"/>
+            <a:r>
+              <a:rPr lang="en-US" sz="1400" b="1" dirty="0" smtClean="0">
+                <a:solidFill>
+                  <a:schemeClr val="accent1"/>
+                </a:solidFill>
+                <a:latin typeface="Courier" pitchFamily="49" charset="0"/>
+              </a:rPr>
+              <a:t>&lt;</a:t>
+            </a:r>
+            <a:r>
+              <a:rPr lang="en-US" sz="1400" b="1" dirty="0" err="1" smtClean="0">
+                <a:solidFill>
+                  <a:schemeClr val="accent1"/>
+                </a:solidFill>
+                <a:latin typeface="Courier" pitchFamily="49" charset="0"/>
+              </a:rPr>
+              <a:t>FndtMsg</a:t>
+            </a:r>
+            <a:r>
+              <a:rPr lang="en-US" sz="1400" b="1" dirty="0" smtClean="0">
+                <a:solidFill>
+                  <a:schemeClr val="accent1"/>
+                </a:solidFill>
+                <a:latin typeface="Courier" pitchFamily="49" charset="0"/>
+              </a:rPr>
+              <a:t>&gt;</a:t>
+            </a:r>
+            <a:endParaRPr lang="he-IL" sz="1400" b="1" dirty="0" err="1" smtClean="0">
+              <a:solidFill>
+                <a:schemeClr val="accent1"/>
+              </a:solidFill>
+              <a:latin typeface="Courier" pitchFamily="49" charset="0"/>
+            </a:endParaRPr>
+          </a:p>
+        </p:txBody>
+      </p:sp>
+      <p:sp>
+        <p:nvSpPr>
+          <p:cNvPr id="46" name="TextBox 45"/>
+          <p:cNvSpPr txBox="1"/>
+          <p:nvPr/>
+        </p:nvSpPr>
+        <p:spPr>
+          <a:xfrm>
+            <a:off x="8482087" y="1598860"/>
+            <a:ext cx="1228726" cy="281320"/>
+          </a:xfrm>
+          <a:prstGeom prst="rect">
+            <a:avLst/>
+          </a:prstGeom>
+          <a:noFill/>
+        </p:spPr>
+        <p:txBody>
+          <a:bodyPr wrap="square" lIns="0" tIns="0" rIns="0" bIns="0" rtlCol="1">
+            <a:noAutofit/>
+          </a:bodyPr>
+          <a:lstStyle/>
+          <a:p>
+            <a:pPr algn="ctr"/>
+            <a:r>
+              <a:rPr lang="en-US" sz="1400" b="1" dirty="0" smtClean="0">
+                <a:solidFill>
+                  <a:schemeClr val="accent1"/>
+                </a:solidFill>
+                <a:latin typeface="Courier" pitchFamily="49" charset="0"/>
+              </a:rPr>
+              <a:t>&lt;</a:t>
+            </a:r>
+            <a:r>
+              <a:rPr lang="en-US" sz="1400" b="1" dirty="0" err="1" smtClean="0">
+                <a:solidFill>
+                  <a:schemeClr val="accent1"/>
+                </a:solidFill>
+                <a:latin typeface="Courier" pitchFamily="49" charset="0"/>
+              </a:rPr>
+              <a:t>FndtMsg</a:t>
+            </a:r>
+            <a:r>
+              <a:rPr lang="en-US" sz="1400" b="1" dirty="0" smtClean="0">
+                <a:solidFill>
+                  <a:schemeClr val="accent1"/>
+                </a:solidFill>
+                <a:latin typeface="Courier" pitchFamily="49" charset="0"/>
+              </a:rPr>
+              <a:t>&gt;</a:t>
+            </a:r>
+            <a:endParaRPr lang="he-IL" sz="1400" b="1" dirty="0" err="1" smtClean="0">
+              <a:solidFill>
+                <a:schemeClr val="accent1"/>
+              </a:solidFill>
+              <a:latin typeface="Courier" pitchFamily="49" charset="0"/>
+            </a:endParaRPr>
+          </a:p>
+        </p:txBody>
+      </p:sp>
+      <p:sp>
+        <p:nvSpPr>
+          <p:cNvPr id="49" name="TextBox 48"/>
+          <p:cNvSpPr txBox="1"/>
+          <p:nvPr/>
+        </p:nvSpPr>
+        <p:spPr>
+          <a:xfrm>
+            <a:off x="7985320" y="6108020"/>
+            <a:ext cx="1228726" cy="281320"/>
+          </a:xfrm>
+          <a:prstGeom prst="rect">
+            <a:avLst/>
+          </a:prstGeom>
+          <a:noFill/>
+        </p:spPr>
+        <p:txBody>
+          <a:bodyPr wrap="square" lIns="0" tIns="0" rIns="0" bIns="0" rtlCol="1">
+            <a:noAutofit/>
+          </a:bodyPr>
+          <a:lstStyle/>
+          <a:p>
+            <a:pPr algn="ctr"/>
+            <a:r>
+              <a:rPr lang="en-US" sz="1400" b="1" dirty="0" smtClean="0">
+                <a:solidFill>
+                  <a:schemeClr val="accent1"/>
+                </a:solidFill>
+                <a:latin typeface="Courier" pitchFamily="49" charset="0"/>
+              </a:rPr>
+              <a:t>&lt;</a:t>
+            </a:r>
+            <a:r>
+              <a:rPr lang="en-US" sz="1400" b="1" dirty="0" err="1" smtClean="0">
+                <a:solidFill>
+                  <a:schemeClr val="accent1"/>
+                </a:solidFill>
+                <a:latin typeface="Courier" pitchFamily="49" charset="0"/>
+              </a:rPr>
+              <a:t>FndtMsg</a:t>
+            </a:r>
+            <a:r>
+              <a:rPr lang="en-US" sz="1400" b="1" dirty="0" smtClean="0">
+                <a:solidFill>
+                  <a:schemeClr val="accent1"/>
+                </a:solidFill>
+                <a:latin typeface="Courier" pitchFamily="49" charset="0"/>
+              </a:rPr>
+              <a:t>&gt;</a:t>
+            </a:r>
+            <a:endParaRPr lang="he-IL" sz="1400" b="1" dirty="0" err="1" smtClean="0">
+              <a:solidFill>
+                <a:schemeClr val="accent1"/>
+              </a:solidFill>
+              <a:latin typeface="Courier" pitchFamily="49" charset="0"/>
+            </a:endParaRPr>
           </a:p>
         </p:txBody>
       </p:sp>
     </p:spTree>
     <p:extLst>
       <p:ext uri="{BB962C8B-B14F-4D97-AF65-F5344CB8AC3E}">
-        <p14:creationId xmlns:p14="http://schemas.microsoft.com/office/powerpoint/2010/main" val="141577052"/>
+        <p14:creationId xmlns:p14="http://schemas.microsoft.com/office/powerpoint/2010/main" val="3323659503"/>
       </p:ext>
     </p:extLst>
   </p:cSld>
@@ -9011,7 +8803,7 @@
             <a:fld id="{BC3F1638-3586-4527-A760-38AC15BFC248}" type="datetime4">
               <a:rPr lang="en-GB" smtClean="0"/>
               <a:pPr/>
-              <a:t>01 March 2018</a:t>
+              <a:t>15 March 2018</a:t>
             </a:fld>
             <a:endParaRPr lang="en-GB" dirty="0"/>
           </a:p>
@@ -9743,7 +9535,7 @@
             <a:fld id="{BC3F1638-3586-4527-A760-38AC15BFC248}" type="datetime4">
               <a:rPr lang="en-GB" smtClean="0"/>
               <a:pPr/>
-              <a:t>01 March 2018</a:t>
+              <a:t>15 March 2018</a:t>
             </a:fld>
             <a:endParaRPr lang="en-GB" dirty="0"/>
           </a:p>
@@ -10401,7 +10193,7 @@
             <a:fld id="{BC3F1638-3586-4527-A760-38AC15BFC248}" type="datetime4">
               <a:rPr lang="en-GB" smtClean="0"/>
               <a:pPr/>
-              <a:t>01 March 2018</a:t>
+              <a:t>15 March 2018</a:t>
             </a:fld>
             <a:endParaRPr lang="en-GB" dirty="0"/>
           </a:p>
@@ -10453,7 +10245,7 @@
           <a:graphicData uri="http://schemas.openxmlformats.org/presentationml/2006/ole">
             <mc:AlternateContent xmlns:mc="http://schemas.openxmlformats.org/markup-compatibility/2006">
               <mc:Choice xmlns:v="urn:schemas-microsoft-com:vml" Requires="v">
-                <p:oleObj spid="_x0000_s1053" name="Packager Shell Object" showAsIcon="1" r:id="rId4" imgW="914400" imgH="771480" progId="Package">
+                <p:oleObj spid="_x0000_s1059" name="Packager Shell Object" showAsIcon="1" r:id="rId4" imgW="914400" imgH="771480" progId="Package">
                   <p:embed/>
                 </p:oleObj>
               </mc:Choice>
@@ -10770,7 +10562,7 @@
           <a:graphicData uri="http://schemas.openxmlformats.org/presentationml/2006/ole">
             <mc:AlternateContent xmlns:mc="http://schemas.openxmlformats.org/markup-compatibility/2006">
               <mc:Choice xmlns:v="urn:schemas-microsoft-com:vml" Requires="v">
-                <p:oleObj spid="_x0000_s1054" name="Packager Shell Object" showAsIcon="1" r:id="rId6" imgW="914400" imgH="771480" progId="Package">
+                <p:oleObj spid="_x0000_s1060" name="Packager Shell Object" showAsIcon="1" r:id="rId6" imgW="914400" imgH="771480" progId="Package">
                   <p:embed/>
                 </p:oleObj>
               </mc:Choice>
@@ -10827,7 +10619,7 @@
           <a:graphicData uri="http://schemas.openxmlformats.org/presentationml/2006/ole">
             <mc:AlternateContent xmlns:mc="http://schemas.openxmlformats.org/markup-compatibility/2006">
               <mc:Choice xmlns:v="urn:schemas-microsoft-com:vml" Requires="v">
-                <p:oleObj spid="_x0000_s1055" name="Packager Shell Object" showAsIcon="1" r:id="rId8" imgW="914400" imgH="771480" progId="Package">
+                <p:oleObj spid="_x0000_s1061" name="Packager Shell Object" showAsIcon="1" r:id="rId8" imgW="914400" imgH="771480" progId="Package">
                   <p:embed/>
                 </p:oleObj>
               </mc:Choice>
@@ -10984,7 +10776,7 @@
             <a:fld id="{BC3F1638-3586-4527-A760-38AC15BFC248}" type="datetime4">
               <a:rPr lang="en-GB" smtClean="0"/>
               <a:pPr/>
-              <a:t>01 March 2018</a:t>
+              <a:t>15 March 2018</a:t>
             </a:fld>
             <a:endParaRPr lang="en-GB" dirty="0"/>
           </a:p>
@@ -11887,7 +11679,7 @@
             <a:fld id="{BC3F1638-3586-4527-A760-38AC15BFC248}" type="datetime4">
               <a:rPr lang="en-GB" smtClean="0"/>
               <a:pPr/>
-              <a:t>01 March 2018</a:t>
+              <a:t>15 March 2018</a:t>
             </a:fld>
             <a:endParaRPr lang="en-GB" dirty="0"/>
           </a:p>
@@ -13867,6 +13659,24 @@
 </file>
 
 <file path=customXml/item1.xml><?xml version="1.0" encoding="utf-8"?>
+<?mso-contentType ?>
+<FormTemplates xmlns="http://schemas.microsoft.com/sharepoint/v3/contenttype/forms">
+  <Display>DocumentLibraryForm</Display>
+  <Edit>DocumentLibraryForm</Edit>
+  <New>DocumentLibraryForm</New>
+</FormTemplates>
+</file>
+
+<file path=customXml/item2.xml><?xml version="1.0" encoding="utf-8"?>
+<p:properties xmlns:p="http://schemas.microsoft.com/office/2006/metadata/properties" xmlns:xsi="http://www.w3.org/2001/XMLSchema-instance" xmlns:pc="http://schemas.microsoft.com/office/infopath/2007/PartnerControls">
+  <documentManagement>
+    <PublishingExpirationDate xmlns="http://schemas.microsoft.com/sharepoint/v3" xsi:nil="true"/>
+    <PublishingStartDate xmlns="http://schemas.microsoft.com/sharepoint/v3" xsi:nil="true"/>
+  </documentManagement>
+</p:properties>
+</file>
+
+<file path=customXml/item3.xml><?xml version="1.0" encoding="utf-8"?>
 <ct:contentTypeSchema xmlns:ct="http://schemas.microsoft.com/office/2006/metadata/contentType" xmlns:ma="http://schemas.microsoft.com/office/2006/metadata/properties/metaAttributes" ct:_="" ma:_="" ma:contentTypeName="Document" ma:contentTypeID="0x0101009AFDA2510A45954CB46081864A6D864F" ma:contentTypeVersion="5" ma:contentTypeDescription="Create a new document." ma:contentTypeScope="" ma:versionID="5b475eef84496e2b7a4205b1d00d7d4c">
   <xsd:schema xmlns:xsd="http://www.w3.org/2001/XMLSchema" xmlns:xs="http://www.w3.org/2001/XMLSchema" xmlns:p="http://schemas.microsoft.com/office/2006/metadata/properties" xmlns:ns1="http://schemas.microsoft.com/sharepoint/v3" xmlns:ns2="1913475e-a030-45ec-9e8a-a2630205b38f" xmlns:ns3="0ae7057e-292f-4fd1-bead-5494e4c66c6d" targetNamespace="http://schemas.microsoft.com/office/2006/metadata/properties" ma:root="true" ma:fieldsID="85738e600c763465eda532a3d229a01a" ns1:_="" ns2:_="" ns3:_="">
     <xsd:import namespace="http://schemas.microsoft.com/sharepoint/v3"/>
@@ -14048,40 +13858,10 @@
 </ct:contentTypeSchema>
 </file>
 
-<file path=customXml/item2.xml><?xml version="1.0" encoding="utf-8"?>
-<p:properties xmlns:p="http://schemas.microsoft.com/office/2006/metadata/properties" xmlns:xsi="http://www.w3.org/2001/XMLSchema-instance" xmlns:pc="http://schemas.microsoft.com/office/infopath/2007/PartnerControls">
-  <documentManagement>
-    <PublishingExpirationDate xmlns="http://schemas.microsoft.com/sharepoint/v3" xsi:nil="true"/>
-    <PublishingStartDate xmlns="http://schemas.microsoft.com/sharepoint/v3" xsi:nil="true"/>
-  </documentManagement>
-</p:properties>
-</file>
-
-<file path=customXml/item3.xml><?xml version="1.0" encoding="utf-8"?>
-<?mso-contentType ?>
-<FormTemplates xmlns="http://schemas.microsoft.com/sharepoint/v3/contenttype/forms">
-  <Display>DocumentLibraryForm</Display>
-  <Edit>DocumentLibraryForm</Edit>
-  <New>DocumentLibraryForm</New>
-</FormTemplates>
-</file>
-
 <file path=customXml/itemProps1.xml><?xml version="1.0" encoding="utf-8"?>
-<ds:datastoreItem xmlns:ds="http://schemas.openxmlformats.org/officeDocument/2006/customXml" ds:itemID="{F6B4073B-771D-450A-9EDA-ABAA77B0531E}">
+<ds:datastoreItem xmlns:ds="http://schemas.openxmlformats.org/officeDocument/2006/customXml" ds:itemID="{CA1AEAF9-C730-4098-99F1-230B2FED747B}">
   <ds:schemaRefs>
-    <ds:schemaRef ds:uri="http://schemas.microsoft.com/office/2006/metadata/contentType"/>
-    <ds:schemaRef ds:uri="http://schemas.microsoft.com/office/2006/metadata/properties/metaAttributes"/>
-    <ds:schemaRef ds:uri="http://www.w3.org/2001/XMLSchema"/>
-    <ds:schemaRef ds:uri="http://schemas.microsoft.com/office/2006/metadata/properties"/>
-    <ds:schemaRef ds:uri="http://schemas.microsoft.com/sharepoint/v3"/>
-    <ds:schemaRef ds:uri="1913475e-a030-45ec-9e8a-a2630205b38f"/>
-    <ds:schemaRef ds:uri="0ae7057e-292f-4fd1-bead-5494e4c66c6d"/>
-    <ds:schemaRef ds:uri="http://schemas.microsoft.com/office/2006/documentManagement/types"/>
-    <ds:schemaRef ds:uri="http://schemas.microsoft.com/office/infopath/2007/PartnerControls"/>
-    <ds:schemaRef ds:uri="http://schemas.openxmlformats.org/package/2006/metadata/core-properties"/>
-    <ds:schemaRef ds:uri="http://purl.org/dc/elements/1.1/"/>
-    <ds:schemaRef ds:uri="http://purl.org/dc/terms/"/>
-    <ds:schemaRef ds:uri="http://schemas.microsoft.com/internal/obd"/>
+    <ds:schemaRef ds:uri="http://schemas.microsoft.com/sharepoint/v3/contenttype/forms"/>
   </ds:schemaRefs>
 </ds:datastoreItem>
 </file>
@@ -14105,9 +13885,21 @@
 </file>
 
 <file path=customXml/itemProps3.xml><?xml version="1.0" encoding="utf-8"?>
-<ds:datastoreItem xmlns:ds="http://schemas.openxmlformats.org/officeDocument/2006/customXml" ds:itemID="{CA1AEAF9-C730-4098-99F1-230B2FED747B}">
+<ds:datastoreItem xmlns:ds="http://schemas.openxmlformats.org/officeDocument/2006/customXml" ds:itemID="{F6B4073B-771D-450A-9EDA-ABAA77B0531E}">
   <ds:schemaRefs>
-    <ds:schemaRef ds:uri="http://schemas.microsoft.com/sharepoint/v3/contenttype/forms"/>
+    <ds:schemaRef ds:uri="http://schemas.microsoft.com/office/2006/metadata/contentType"/>
+    <ds:schemaRef ds:uri="http://schemas.microsoft.com/office/2006/metadata/properties/metaAttributes"/>
+    <ds:schemaRef ds:uri="http://www.w3.org/2001/XMLSchema"/>
+    <ds:schemaRef ds:uri="http://schemas.microsoft.com/office/2006/metadata/properties"/>
+    <ds:schemaRef ds:uri="http://schemas.microsoft.com/sharepoint/v3"/>
+    <ds:schemaRef ds:uri="1913475e-a030-45ec-9e8a-a2630205b38f"/>
+    <ds:schemaRef ds:uri="0ae7057e-292f-4fd1-bead-5494e4c66c6d"/>
+    <ds:schemaRef ds:uri="http://schemas.microsoft.com/office/2006/documentManagement/types"/>
+    <ds:schemaRef ds:uri="http://schemas.microsoft.com/office/infopath/2007/PartnerControls"/>
+    <ds:schemaRef ds:uri="http://schemas.openxmlformats.org/package/2006/metadata/core-properties"/>
+    <ds:schemaRef ds:uri="http://purl.org/dc/elements/1.1/"/>
+    <ds:schemaRef ds:uri="http://purl.org/dc/terms/"/>
+    <ds:schemaRef ds:uri="http://schemas.microsoft.com/internal/obd"/>
   </ds:schemaRefs>
 </ds:datastoreItem>
 </file>
--- a/documentation/02 Funds Transfer Message.pptx
+++ b/documentation/02 Funds Transfer Message.pptx
@@ -14,7 +14,7 @@
     <p:sldId id="256" r:id="rId5"/>
     <p:sldId id="258" r:id="rId6"/>
     <p:sldId id="261" r:id="rId7"/>
-    <p:sldId id="288" r:id="rId8"/>
+    <p:sldId id="289" r:id="rId8"/>
     <p:sldId id="271" r:id="rId9"/>
     <p:sldId id="283" r:id="rId10"/>
     <p:sldId id="285" r:id="rId11"/>
@@ -225,7 +225,7 @@
           <a:p>
             <a:fld id="{CE53DE84-D7B3-4797-B14D-77424657396D}" type="datetimeFigureOut">
               <a:rPr lang="en-GB" smtClean="0"/>
-              <a:t>15/03/2018</a:t>
+              <a:t>07/03/2019</a:t>
             </a:fld>
             <a:endParaRPr lang="en-GB" dirty="0"/>
           </a:p>
@@ -390,7 +390,7 @@
           <a:p>
             <a:fld id="{D1C597EC-6BB0-461C-B045-D257C6C8821E}" type="datetimeFigureOut">
               <a:rPr lang="en-GB" smtClean="0"/>
-              <a:t>15/03/2018</a:t>
+              <a:t>07/03/2019</a:t>
             </a:fld>
             <a:endParaRPr lang="en-GB" dirty="0"/>
           </a:p>
@@ -732,7 +732,7 @@
     </p:spTree>
     <p:extLst>
       <p:ext uri="{BB962C8B-B14F-4D97-AF65-F5344CB8AC3E}">
-        <p14:creationId xmlns:p14="http://schemas.microsoft.com/office/powerpoint/2010/main" val="412347392"/>
+        <p14:creationId xmlns:p14="http://schemas.microsoft.com/office/powerpoint/2010/main" val="2082735744"/>
       </p:ext>
     </p:extLst>
   </p:cSld>
@@ -1748,7 +1748,7 @@
           <a:p>
             <a:fld id="{22E7AA2F-F619-4723-B6E7-545F24B9918D}" type="datetime4">
               <a:rPr lang="en-GB" smtClean="0"/>
-              <a:t>15 March 2018</a:t>
+              <a:t>07 March 2019</a:t>
             </a:fld>
             <a:endParaRPr lang="en-GB" dirty="0"/>
           </a:p>
@@ -1952,7 +1952,7 @@
           <a:p>
             <a:fld id="{2A4201E0-34F3-46A7-AE44-D99163B13904}" type="datetime4">
               <a:rPr lang="en-GB" smtClean="0"/>
-              <a:t>15 March 2018</a:t>
+              <a:t>07 March 2019</a:t>
             </a:fld>
             <a:endParaRPr lang="en-GB" dirty="0"/>
           </a:p>
@@ -2200,7 +2200,7 @@
           <a:p>
             <a:fld id="{4FAE0867-24A8-448F-B507-CC8586AA6B96}" type="datetime4">
               <a:rPr lang="en-GB" smtClean="0"/>
-              <a:t>15 March 2018</a:t>
+              <a:t>07 March 2019</a:t>
             </a:fld>
             <a:endParaRPr lang="en-GB" dirty="0"/>
           </a:p>
@@ -2384,7 +2384,7 @@
           <a:p>
             <a:fld id="{54BE1DED-F17D-40BA-964F-A1C8DEDCEF61}" type="datetime4">
               <a:rPr lang="en-GB" smtClean="0"/>
-              <a:t>15 March 2018</a:t>
+              <a:t>07 March 2019</a:t>
             </a:fld>
             <a:endParaRPr lang="en-GB" dirty="0"/>
           </a:p>
@@ -2760,7 +2760,7 @@
             <a:fld id="{D9FBC6CA-9941-44FF-B65D-C7A23CB5A4BE}" type="datetime4">
               <a:rPr lang="en-GB" smtClean="0"/>
               <a:pPr/>
-              <a:t>15 March 2018</a:t>
+              <a:t>07 March 2019</a:t>
             </a:fld>
             <a:endParaRPr lang="en-GB" dirty="0"/>
           </a:p>
@@ -2946,7 +2946,7 @@
           <a:p>
             <a:fld id="{D473304B-F8FC-4BC7-8FE8-C50BC87E1FAB}" type="datetime4">
               <a:rPr lang="en-GB" smtClean="0"/>
-              <a:t>15 March 2018</a:t>
+              <a:t>07 March 2019</a:t>
             </a:fld>
             <a:endParaRPr lang="en-GB" dirty="0"/>
           </a:p>
@@ -3041,7 +3041,7 @@
           <a:p>
             <a:fld id="{D3D7C3DF-C1B2-4C30-9BDA-F5EE790E7213}" type="datetime4">
               <a:rPr lang="en-GB" smtClean="0"/>
-              <a:t>15 March 2018</a:t>
+              <a:t>07 March 2019</a:t>
             </a:fld>
             <a:endParaRPr lang="en-GB" dirty="0"/>
           </a:p>
@@ -3266,7 +3266,7 @@
           <a:p>
             <a:fld id="{7A1E630C-C3F3-4A66-A20B-F3CE4CC3331D}" type="datetime4">
               <a:rPr lang="en-GB" smtClean="0"/>
-              <a:t>15 March 2018</a:t>
+              <a:t>07 March 2019</a:t>
             </a:fld>
             <a:endParaRPr lang="en-GB" dirty="0"/>
           </a:p>
@@ -3900,7 +3900,7 @@
           <a:p>
             <a:fld id="{D22C19FE-D082-4640-BFED-203C0E583774}" type="datetime4">
               <a:rPr lang="en-GB" smtClean="0"/>
-              <a:t>15 March 2018</a:t>
+              <a:t>07 March 2019</a:t>
             </a:fld>
             <a:endParaRPr lang="en-GB" dirty="0"/>
           </a:p>
@@ -4595,8 +4595,8 @@
         </p:nvSpPr>
         <p:spPr>
           <a:xfrm>
-            <a:off x="4493058" y="2780147"/>
-            <a:ext cx="7075055" cy="3223490"/>
+            <a:off x="4367814" y="2858535"/>
+            <a:ext cx="7324587" cy="3223490"/>
           </a:xfrm>
         </p:spPr>
         <p:txBody>
@@ -4668,10 +4668,6 @@
               <a:buSzPct val="150000"/>
             </a:pPr>
             <a:r>
-              <a:rPr lang="en-US" sz="2000" dirty="0" smtClean="0"/>
-              <a:t>	</a:t>
-            </a:r>
-            <a:r>
               <a:rPr lang="en-US" sz="1200" i="1" u="sng" dirty="0" smtClean="0"/>
               <a:t>Note</a:t>
             </a:r>
@@ -4727,12 +4723,12 @@
           </a:p>
           <a:p>
             <a:r>
-              <a:rPr lang="en-US" dirty="0" smtClean="0"/>
-              <a:t>	</a:t>
+              <a:rPr lang="en-US" sz="1200" i="1" u="sng" dirty="0" smtClean="0"/>
+              <a:t>Note</a:t>
             </a:r>
             <a:r>
               <a:rPr lang="en-US" sz="1200" i="1" u="sng" dirty="0"/>
-              <a:t>Note: </a:t>
+              <a:t>: </a:t>
             </a:r>
             <a:r>
               <a:rPr lang="en-US" sz="1200" i="1" dirty="0"/>
@@ -4766,7 +4762,7 @@
           <a:p>
             <a:fld id="{81517988-A32B-4128-87EA-4FEFFAC9F546}" type="datetime4">
               <a:rPr lang="en-GB" smtClean="0"/>
-              <a:t>15 March 2018</a:t>
+              <a:t>07 March 2019</a:t>
             </a:fld>
             <a:endParaRPr lang="en-GB" dirty="0"/>
           </a:p>
@@ -6207,7 +6203,7 @@
           <a:p>
             <a:fld id="{2A4201E0-34F3-46A7-AE44-D99163B13904}" type="datetime4">
               <a:rPr lang="en-GB" smtClean="0"/>
-              <a:t>15 March 2018</a:t>
+              <a:t>07 March 2019</a:t>
             </a:fld>
             <a:endParaRPr lang="en-GB" dirty="0"/>
           </a:p>
@@ -6343,7 +6339,7 @@
             <a:fld id="{D98A2CEC-3088-437B-B321-33BEC7D93FCD}" type="datetime4">
               <a:rPr lang="en-GB" smtClean="0"/>
               <a:pPr/>
-              <a:t>15 March 2018</a:t>
+              <a:t>07 March 2019</a:t>
             </a:fld>
             <a:endParaRPr lang="en-GB" dirty="0"/>
           </a:p>
@@ -6518,7 +6514,7 @@
           <a:p>
             <a:fld id="{6096F0BA-ECEE-44D1-ABE9-40C67B221300}" type="datetime4">
               <a:rPr lang="en-GB" smtClean="0"/>
-              <a:t>15 March 2018</a:t>
+              <a:t>07 March 2019</a:t>
             </a:fld>
             <a:endParaRPr lang="en-GB" dirty="0"/>
           </a:p>
@@ -6706,7 +6702,7 @@
             <a:fld id="{014A5046-EA5E-455B-A3BC-352818629394}" type="datetime4">
               <a:rPr lang="en-GB" smtClean="0"/>
               <a:pPr/>
-              <a:t>15 March 2018</a:t>
+              <a:t>07 March 2019</a:t>
             </a:fld>
             <a:endParaRPr lang="en-GB" dirty="0"/>
           </a:p>
@@ -6769,7 +6765,7 @@
 </file>
 
 <file path=ppt/slides/slide4.xml><?xml version="1.0" encoding="utf-8"?>
-<p:sld xmlns:a="http://schemas.openxmlformats.org/drawingml/2006/main" xmlns:r="http://schemas.openxmlformats.org/officeDocument/2006/relationships" xmlns:p="http://schemas.openxmlformats.org/presentationml/2006/main" show="0">
+<p:sld xmlns:a="http://schemas.openxmlformats.org/drawingml/2006/main" xmlns:r="http://schemas.openxmlformats.org/officeDocument/2006/relationships" xmlns:p="http://schemas.openxmlformats.org/presentationml/2006/main">
   <p:cSld>
     <p:spTree>
       <p:nvGrpSpPr>
@@ -6801,8 +6797,8 @@
           <a:lstStyle/>
           <a:p>
             <a:r>
-              <a:rPr lang="en-US" dirty="0"/>
-              <a:t>FNDT Message in Payment Flow</a:t>
+              <a:rPr lang="en-US" dirty="0" smtClean="0"/>
+              <a:t>General Payment Flow</a:t>
             </a:r>
             <a:endParaRPr lang="en-GB" dirty="0"/>
           </a:p>
@@ -6826,7 +6822,7 @@
             <a:fld id="{BC3F1638-3586-4527-A760-38AC15BFC248}" type="datetime4">
               <a:rPr lang="en-GB" smtClean="0"/>
               <a:pPr/>
-              <a:t>15 March 2018</a:t>
+              <a:t>07 March 2019</a:t>
             </a:fld>
             <a:endParaRPr lang="en-GB" dirty="0"/>
           </a:p>
@@ -7236,7 +7232,7 @@
           </a:lstStyle>
           <a:p>
             <a:r>
-              <a:rPr lang="en-US" dirty="0"/>
+              <a:rPr lang="en-US"/>
               <a:t>Account Lookup</a:t>
             </a:r>
             <a:endParaRPr lang="he-IL" dirty="0" err="1"/>
@@ -7291,8 +7287,8 @@
         </p:nvSpPr>
         <p:spPr>
           <a:xfrm>
-            <a:off x="4553386" y="3666300"/>
-            <a:ext cx="1941922" cy="311084"/>
+            <a:off x="5300824" y="3666300"/>
+            <a:ext cx="1194484" cy="311084"/>
           </a:xfrm>
           <a:prstGeom prst="rect">
             <a:avLst/>
@@ -7334,15 +7330,13 @@
       <p:cxnSp>
         <p:nvCxnSpPr>
           <p:cNvPr id="25" name="Straight Arrow Connector 24"/>
-          <p:cNvCxnSpPr>
-            <a:endCxn id="24" idx="2"/>
-          </p:cNvCxnSpPr>
+          <p:cNvCxnSpPr/>
           <p:nvPr/>
         </p:nvCxnSpPr>
         <p:spPr>
           <a:xfrm flipV="1">
-            <a:off x="5524347" y="3977384"/>
-            <a:ext cx="0" cy="334527"/>
+            <a:off x="5968405" y="3977384"/>
+            <a:ext cx="0" cy="330728"/>
           </a:xfrm>
           <a:prstGeom prst="straightConnector1">
             <a:avLst/>
@@ -7579,7 +7573,7 @@
         </p:nvSpPr>
         <p:spPr>
           <a:xfrm>
-            <a:off x="418083" y="1875205"/>
+            <a:off x="432120" y="2455980"/>
             <a:ext cx="1271229" cy="1074656"/>
           </a:xfrm>
           <a:prstGeom prst="flowChartDocument">
@@ -7617,46 +7611,6 @@
           </a:p>
         </p:txBody>
       </p:sp>
-      <p:cxnSp>
-        <p:nvCxnSpPr>
-          <p:cNvPr id="48" name="Straight Arrow Connector 47"/>
-          <p:cNvCxnSpPr>
-            <a:stCxn id="47" idx="3"/>
-            <a:endCxn id="9" idx="1"/>
-          </p:cNvCxnSpPr>
-          <p:nvPr/>
-        </p:nvCxnSpPr>
-        <p:spPr>
-          <a:xfrm>
-            <a:off x="1689312" y="2412533"/>
-            <a:ext cx="468096" cy="5442"/>
-          </a:xfrm>
-          <a:prstGeom prst="straightConnector1">
-            <a:avLst/>
-          </a:prstGeom>
-          <a:ln w="41275" cmpd="sng">
-            <a:solidFill>
-              <a:schemeClr val="accent2"/>
-            </a:solidFill>
-            <a:prstDash val="sysDot"/>
-            <a:tailEnd type="triangle"/>
-          </a:ln>
-        </p:spPr>
-        <p:style>
-          <a:lnRef idx="1">
-            <a:schemeClr val="accent1"/>
-          </a:lnRef>
-          <a:fillRef idx="0">
-            <a:schemeClr val="accent1"/>
-          </a:fillRef>
-          <a:effectRef idx="0">
-            <a:schemeClr val="accent1"/>
-          </a:effectRef>
-          <a:fontRef idx="minor">
-            <a:schemeClr val="tx1"/>
-          </a:fontRef>
-        </p:style>
-      </p:cxnSp>
       <p:sp>
         <p:nvSpPr>
           <p:cNvPr id="51" name="Flowchart: Predefined Process 50"/>
@@ -8266,62 +8220,6 @@
                 </a:solidFill>
               </a:defRPr>
             </a:lvl1pPr>
-            <a:lvl2pPr>
-              <a:defRPr>
-                <a:solidFill>
-                  <a:schemeClr val="tx1"/>
-                </a:solidFill>
-              </a:defRPr>
-            </a:lvl2pPr>
-            <a:lvl3pPr>
-              <a:defRPr>
-                <a:solidFill>
-                  <a:schemeClr val="tx1"/>
-                </a:solidFill>
-              </a:defRPr>
-            </a:lvl3pPr>
-            <a:lvl4pPr>
-              <a:defRPr>
-                <a:solidFill>
-                  <a:schemeClr val="tx1"/>
-                </a:solidFill>
-              </a:defRPr>
-            </a:lvl4pPr>
-            <a:lvl5pPr>
-              <a:defRPr>
-                <a:solidFill>
-                  <a:schemeClr val="tx1"/>
-                </a:solidFill>
-              </a:defRPr>
-            </a:lvl5pPr>
-            <a:lvl6pPr>
-              <a:defRPr>
-                <a:solidFill>
-                  <a:schemeClr val="tx1"/>
-                </a:solidFill>
-              </a:defRPr>
-            </a:lvl6pPr>
-            <a:lvl7pPr>
-              <a:defRPr>
-                <a:solidFill>
-                  <a:schemeClr val="tx1"/>
-                </a:solidFill>
-              </a:defRPr>
-            </a:lvl7pPr>
-            <a:lvl8pPr>
-              <a:defRPr>
-                <a:solidFill>
-                  <a:schemeClr val="tx1"/>
-                </a:solidFill>
-              </a:defRPr>
-            </a:lvl8pPr>
-            <a:lvl9pPr>
-              <a:defRPr>
-                <a:solidFill>
-                  <a:schemeClr val="tx1"/>
-                </a:solidFill>
-              </a:defRPr>
-            </a:lvl9pPr>
           </a:lstStyle>
           <a:p>
             <a:r>
@@ -8339,13 +8237,456 @@
         </p:nvSpPr>
         <p:spPr>
           <a:xfrm>
-            <a:off x="402278" y="1325949"/>
-            <a:ext cx="1759842" cy="444397"/>
+            <a:off x="5300824" y="1155146"/>
+            <a:ext cx="1194484" cy="311084"/>
           </a:xfrm>
           <a:prstGeom prst="rect">
             <a:avLst/>
           </a:prstGeom>
-          <a:noFill/>
+          <a:solidFill>
+            <a:schemeClr val="accent2"/>
+          </a:solidFill>
+          <a:ln>
+            <a:solidFill>
+              <a:schemeClr val="accent1"/>
+            </a:solidFill>
+          </a:ln>
+        </p:spPr>
+        <p:txBody>
+          <a:bodyPr wrap="square" lIns="0" tIns="0" rIns="0" bIns="0" rtlCol="1" anchor="ctr">
+            <a:noAutofit/>
+          </a:bodyPr>
+          <a:lstStyle>
+            <a:defPPr>
+              <a:defRPr lang="en-US"/>
+            </a:defPPr>
+            <a:lvl1pPr algn="ctr">
+              <a:defRPr sz="1200">
+                <a:solidFill>
+                  <a:schemeClr val="bg1"/>
+                </a:solidFill>
+              </a:defRPr>
+            </a:lvl1pPr>
+          </a:lstStyle>
+          <a:p>
+            <a:r>
+              <a:rPr lang="en-US" dirty="0"/>
+              <a:t>Fraud</a:t>
+            </a:r>
+            <a:endParaRPr lang="he-IL" dirty="0" err="1"/>
+          </a:p>
+        </p:txBody>
+      </p:sp>
+      <p:cxnSp>
+        <p:nvCxnSpPr>
+          <p:cNvPr id="42" name="Straight Arrow Connector 41"/>
+          <p:cNvCxnSpPr/>
+          <p:nvPr/>
+        </p:nvCxnSpPr>
+        <p:spPr>
+          <a:xfrm flipH="1" flipV="1">
+            <a:off x="6229839" y="1441641"/>
+            <a:ext cx="7017" cy="584461"/>
+          </a:xfrm>
+          <a:prstGeom prst="straightConnector1">
+            <a:avLst/>
+          </a:prstGeom>
+          <a:ln w="41275" cmpd="sng">
+            <a:solidFill>
+              <a:schemeClr val="accent2"/>
+            </a:solidFill>
+            <a:prstDash val="sysDot"/>
+            <a:headEnd type="triangle"/>
+            <a:tailEnd type="triangle"/>
+          </a:ln>
+        </p:spPr>
+        <p:style>
+          <a:lnRef idx="1">
+            <a:schemeClr val="accent1"/>
+          </a:lnRef>
+          <a:fillRef idx="0">
+            <a:schemeClr val="accent1"/>
+          </a:fillRef>
+          <a:effectRef idx="0">
+            <a:schemeClr val="accent1"/>
+          </a:effectRef>
+          <a:fontRef idx="minor">
+            <a:schemeClr val="tx1"/>
+          </a:fontRef>
+        </p:style>
+      </p:cxnSp>
+      <p:sp>
+        <p:nvSpPr>
+          <p:cNvPr id="44" name="TextBox 43"/>
+          <p:cNvSpPr txBox="1"/>
+          <p:nvPr/>
+        </p:nvSpPr>
+        <p:spPr>
+          <a:xfrm>
+            <a:off x="3618833" y="3656995"/>
+            <a:ext cx="1451454" cy="311084"/>
+          </a:xfrm>
+          <a:prstGeom prst="rect">
+            <a:avLst/>
+          </a:prstGeom>
+          <a:solidFill>
+            <a:schemeClr val="accent2"/>
+          </a:solidFill>
+          <a:ln>
+            <a:solidFill>
+              <a:schemeClr val="accent1"/>
+            </a:solidFill>
+          </a:ln>
+        </p:spPr>
+        <p:txBody>
+          <a:bodyPr wrap="square" lIns="0" tIns="0" rIns="0" bIns="0" rtlCol="1" anchor="ctr">
+            <a:noAutofit/>
+          </a:bodyPr>
+          <a:lstStyle>
+            <a:defPPr>
+              <a:defRPr lang="en-US"/>
+            </a:defPPr>
+            <a:lvl1pPr algn="ctr">
+              <a:defRPr sz="1200">
+                <a:solidFill>
+                  <a:schemeClr val="bg1"/>
+                </a:solidFill>
+              </a:defRPr>
+            </a:lvl1pPr>
+          </a:lstStyle>
+          <a:p>
+            <a:r>
+              <a:rPr lang="en-US" dirty="0"/>
+              <a:t>Addressing Inquiry</a:t>
+            </a:r>
+            <a:endParaRPr lang="he-IL" dirty="0" err="1"/>
+          </a:p>
+        </p:txBody>
+      </p:sp>
+      <p:cxnSp>
+        <p:nvCxnSpPr>
+          <p:cNvPr id="46" name="Straight Arrow Connector 45"/>
+          <p:cNvCxnSpPr/>
+          <p:nvPr/>
+        </p:nvCxnSpPr>
+        <p:spPr>
+          <a:xfrm flipV="1">
+            <a:off x="4345919" y="3957740"/>
+            <a:ext cx="0" cy="330728"/>
+          </a:xfrm>
+          <a:prstGeom prst="straightConnector1">
+            <a:avLst/>
+          </a:prstGeom>
+          <a:ln w="41275" cmpd="sng">
+            <a:solidFill>
+              <a:schemeClr val="accent2"/>
+            </a:solidFill>
+            <a:prstDash val="sysDot"/>
+            <a:headEnd type="triangle"/>
+            <a:tailEnd type="triangle"/>
+          </a:ln>
+        </p:spPr>
+        <p:style>
+          <a:lnRef idx="1">
+            <a:schemeClr val="accent1"/>
+          </a:lnRef>
+          <a:fillRef idx="0">
+            <a:schemeClr val="accent1"/>
+          </a:fillRef>
+          <a:effectRef idx="0">
+            <a:schemeClr val="accent1"/>
+          </a:effectRef>
+          <a:fontRef idx="minor">
+            <a:schemeClr val="tx1"/>
+          </a:fontRef>
+        </p:style>
+      </p:cxnSp>
+      <p:sp>
+        <p:nvSpPr>
+          <p:cNvPr id="45" name="TextBox 44"/>
+          <p:cNvSpPr txBox="1"/>
+          <p:nvPr/>
+        </p:nvSpPr>
+        <p:spPr>
+          <a:xfrm>
+            <a:off x="432119" y="1998482"/>
+            <a:ext cx="1271229" cy="311084"/>
+          </a:xfrm>
+          <a:prstGeom prst="rect">
+            <a:avLst/>
+          </a:prstGeom>
+          <a:solidFill>
+            <a:schemeClr val="accent2"/>
+          </a:solidFill>
+          <a:ln>
+            <a:solidFill>
+              <a:schemeClr val="accent1"/>
+            </a:solidFill>
+          </a:ln>
+        </p:spPr>
+        <p:txBody>
+          <a:bodyPr wrap="square" lIns="0" tIns="0" rIns="0" bIns="0" rtlCol="1" anchor="ctr">
+            <a:noAutofit/>
+          </a:bodyPr>
+          <a:lstStyle>
+            <a:defPPr>
+              <a:defRPr lang="en-US"/>
+            </a:defPPr>
+            <a:lvl1pPr algn="ctr">
+              <a:defRPr sz="1200">
+                <a:solidFill>
+                  <a:schemeClr val="bg1"/>
+                </a:solidFill>
+              </a:defRPr>
+            </a:lvl1pPr>
+          </a:lstStyle>
+          <a:p>
+            <a:r>
+              <a:rPr lang="en-US" dirty="0"/>
+              <a:t>Feeder</a:t>
+            </a:r>
+            <a:endParaRPr lang="he-IL" dirty="0" err="1"/>
+          </a:p>
+        </p:txBody>
+      </p:sp>
+      <p:cxnSp>
+        <p:nvCxnSpPr>
+          <p:cNvPr id="10" name="Elbow Connector 9"/>
+          <p:cNvCxnSpPr>
+            <a:stCxn id="47" idx="3"/>
+            <a:endCxn id="9" idx="1"/>
+          </p:cNvCxnSpPr>
+          <p:nvPr/>
+        </p:nvCxnSpPr>
+        <p:spPr>
+          <a:xfrm flipV="1">
+            <a:off x="1703349" y="2417975"/>
+            <a:ext cx="454059" cy="575333"/>
+          </a:xfrm>
+          <a:prstGeom prst="bentConnector3">
+            <a:avLst/>
+          </a:prstGeom>
+          <a:ln w="41275" cmpd="sng">
+            <a:solidFill>
+              <a:schemeClr val="accent2"/>
+            </a:solidFill>
+            <a:prstDash val="sysDot"/>
+            <a:tailEnd type="triangle"/>
+          </a:ln>
+        </p:spPr>
+        <p:style>
+          <a:lnRef idx="1">
+            <a:schemeClr val="accent1"/>
+          </a:lnRef>
+          <a:fillRef idx="0">
+            <a:schemeClr val="accent1"/>
+          </a:fillRef>
+          <a:effectRef idx="0">
+            <a:schemeClr val="accent1"/>
+          </a:effectRef>
+          <a:fontRef idx="minor">
+            <a:schemeClr val="tx1"/>
+          </a:fontRef>
+        </p:style>
+      </p:cxnSp>
+      <p:cxnSp>
+        <p:nvCxnSpPr>
+          <p:cNvPr id="49" name="Elbow Connector 48"/>
+          <p:cNvCxnSpPr>
+            <a:stCxn id="45" idx="3"/>
+            <a:endCxn id="9" idx="1"/>
+          </p:cNvCxnSpPr>
+          <p:nvPr/>
+        </p:nvCxnSpPr>
+        <p:spPr>
+          <a:xfrm>
+            <a:off x="1703348" y="2154024"/>
+            <a:ext cx="454060" cy="263951"/>
+          </a:xfrm>
+          <a:prstGeom prst="bentConnector3">
+            <a:avLst/>
+          </a:prstGeom>
+          <a:ln w="41275" cmpd="sng">
+            <a:solidFill>
+              <a:schemeClr val="accent2"/>
+            </a:solidFill>
+            <a:prstDash val="sysDot"/>
+            <a:tailEnd type="triangle"/>
+          </a:ln>
+        </p:spPr>
+        <p:style>
+          <a:lnRef idx="1">
+            <a:schemeClr val="accent1"/>
+          </a:lnRef>
+          <a:fillRef idx="0">
+            <a:schemeClr val="accent1"/>
+          </a:fillRef>
+          <a:effectRef idx="0">
+            <a:schemeClr val="accent1"/>
+          </a:effectRef>
+          <a:fontRef idx="minor">
+            <a:schemeClr val="tx1"/>
+          </a:fontRef>
+        </p:style>
+      </p:cxnSp>
+      <p:sp>
+        <p:nvSpPr>
+          <p:cNvPr id="48" name="Rectangle 47"/>
+          <p:cNvSpPr/>
+          <p:nvPr/>
+        </p:nvSpPr>
+        <p:spPr>
+          <a:xfrm>
+            <a:off x="432119" y="1392876"/>
+            <a:ext cx="1822176" cy="461665"/>
+          </a:xfrm>
+          <a:prstGeom prst="rect">
+            <a:avLst/>
+          </a:prstGeom>
+        </p:spPr>
+        <p:txBody>
+          <a:bodyPr wrap="square">
+            <a:spAutoFit/>
+          </a:bodyPr>
+          <a:lstStyle/>
+          <a:p>
+            <a:r>
+              <a:rPr lang="en-US" sz="1200" b="1" dirty="0">
+                <a:solidFill>
+                  <a:schemeClr val="accent1"/>
+                </a:solidFill>
+                <a:latin typeface="Courier" pitchFamily="49" charset="0"/>
+              </a:rPr>
+              <a:t>&lt;</a:t>
+            </a:r>
+            <a:r>
+              <a:rPr lang="en-US" sz="1200" b="1" dirty="0" err="1">
+                <a:solidFill>
+                  <a:schemeClr val="accent1"/>
+                </a:solidFill>
+                <a:latin typeface="Courier" pitchFamily="49" charset="0"/>
+              </a:rPr>
+              <a:t>FndtMsg</a:t>
+            </a:r>
+            <a:r>
+              <a:rPr lang="en-US" sz="1200" b="1" dirty="0">
+                <a:solidFill>
+                  <a:schemeClr val="accent1"/>
+                </a:solidFill>
+                <a:latin typeface="Courier" pitchFamily="49" charset="0"/>
+              </a:rPr>
+              <a:t>&gt; </a:t>
+            </a:r>
+            <a:r>
+              <a:rPr lang="en-US" sz="1200" dirty="0"/>
+              <a:t>from </a:t>
+            </a:r>
+            <a:r>
+              <a:rPr lang="en-US" sz="1200" dirty="0" smtClean="0"/>
+              <a:t>ISO, </a:t>
+            </a:r>
+            <a:r>
+              <a:rPr lang="en-US" sz="1200" dirty="0"/>
+              <a:t>SWIFT, </a:t>
+            </a:r>
+            <a:r>
+              <a:rPr lang="en-US" sz="1200" dirty="0" smtClean="0"/>
+              <a:t>proprietary </a:t>
+            </a:r>
+            <a:endParaRPr lang="en-US" sz="1200" dirty="0"/>
+          </a:p>
+        </p:txBody>
+      </p:sp>
+      <p:sp>
+        <p:nvSpPr>
+          <p:cNvPr id="50" name="Rectangle 49"/>
+          <p:cNvSpPr/>
+          <p:nvPr/>
+        </p:nvSpPr>
+        <p:spPr>
+          <a:xfrm>
+            <a:off x="326341" y="3640446"/>
+            <a:ext cx="1822176" cy="461665"/>
+          </a:xfrm>
+          <a:prstGeom prst="rect">
+            <a:avLst/>
+          </a:prstGeom>
+        </p:spPr>
+        <p:txBody>
+          <a:bodyPr wrap="square">
+            <a:spAutoFit/>
+          </a:bodyPr>
+          <a:lstStyle/>
+          <a:p>
+            <a:r>
+              <a:rPr lang="en-US" sz="1200" b="1" dirty="0">
+                <a:solidFill>
+                  <a:schemeClr val="accent1"/>
+                </a:solidFill>
+                <a:latin typeface="Courier" pitchFamily="49" charset="0"/>
+              </a:rPr>
+              <a:t>&lt;</a:t>
+            </a:r>
+            <a:r>
+              <a:rPr lang="en-US" sz="1200" b="1" dirty="0" err="1">
+                <a:solidFill>
+                  <a:schemeClr val="accent1"/>
+                </a:solidFill>
+                <a:latin typeface="Courier" pitchFamily="49" charset="0"/>
+              </a:rPr>
+              <a:t>FndtMsg</a:t>
+            </a:r>
+            <a:r>
+              <a:rPr lang="en-US" sz="1200" b="1" dirty="0">
+                <a:solidFill>
+                  <a:schemeClr val="accent1"/>
+                </a:solidFill>
+                <a:latin typeface="Courier" pitchFamily="49" charset="0"/>
+              </a:rPr>
+              <a:t>&gt; </a:t>
+            </a:r>
+            <a:r>
+              <a:rPr lang="en-US" sz="1200" dirty="0" smtClean="0"/>
+              <a:t>to ISO, </a:t>
+            </a:r>
+            <a:r>
+              <a:rPr lang="en-US" sz="1200" dirty="0"/>
+              <a:t>SWIFT, </a:t>
+            </a:r>
+            <a:r>
+              <a:rPr lang="en-US" sz="1200" dirty="0" smtClean="0"/>
+              <a:t>proprietary </a:t>
+            </a:r>
+            <a:endParaRPr lang="en-US" sz="1200" dirty="0"/>
+          </a:p>
+        </p:txBody>
+      </p:sp>
+      <p:sp>
+        <p:nvSpPr>
+          <p:cNvPr id="53" name="TextBox 52"/>
+          <p:cNvSpPr txBox="1"/>
+          <p:nvPr/>
+        </p:nvSpPr>
+        <p:spPr>
+          <a:xfrm>
+            <a:off x="6978731" y="3186439"/>
+            <a:ext cx="4308535" cy="781640"/>
+          </a:xfrm>
+          <a:prstGeom prst="rect">
+            <a:avLst/>
+          </a:prstGeom>
+          <a:solidFill>
+            <a:schemeClr val="accent5">
+              <a:lumMod val="20000"/>
+              <a:lumOff val="80000"/>
+            </a:schemeClr>
+          </a:solidFill>
+          <a:ln>
+            <a:solidFill>
+              <a:schemeClr val="accent4"/>
+            </a:solidFill>
+            <a:prstDash val="dash"/>
+          </a:ln>
         </p:spPr>
         <p:txBody>
           <a:bodyPr wrap="square" lIns="0" tIns="0" rIns="0" bIns="0" rtlCol="1">
@@ -8353,6 +8694,15 @@
           </a:bodyPr>
           <a:lstStyle/>
           <a:p>
+            <a:pPr algn="ctr"/>
+            <a:endParaRPr lang="en-US" sz="1200" dirty="0" smtClean="0"/>
+          </a:p>
+          <a:p>
+            <a:pPr algn="ctr"/>
+            <a:r>
+              <a:rPr lang="en-US" sz="1200" dirty="0" smtClean="0"/>
+              <a:t>Each Interface can use  </a:t>
+            </a:r>
             <a:r>
               <a:rPr lang="en-US" sz="1400" b="1" dirty="0" smtClean="0">
                 <a:solidFill>
@@ -8381,347 +8731,46 @@
               <a:t>&gt; </a:t>
             </a:r>
             <a:r>
-              <a:rPr lang="en-US" sz="1400" dirty="0" smtClean="0"/>
-              <a:t>from </a:t>
-            </a:r>
-            <a:r>
-              <a:rPr lang="en-US" sz="1200" b="1" dirty="0" smtClean="0"/>
-              <a:t>pain, </a:t>
-            </a:r>
-            <a:r>
-              <a:rPr lang="en-US" sz="1200" b="1" dirty="0" err="1" smtClean="0"/>
-              <a:t>pacs</a:t>
-            </a:r>
-            <a:r>
-              <a:rPr lang="en-US" sz="1200" b="1" dirty="0" smtClean="0"/>
-              <a:t>, SWIFT, etc.</a:t>
-            </a:r>
-            <a:endParaRPr lang="he-IL" sz="1200" b="1" dirty="0" err="1" smtClean="0"/>
-          </a:p>
-        </p:txBody>
-      </p:sp>
-      <p:sp>
-        <p:nvSpPr>
-          <p:cNvPr id="42" name="TextBox 41"/>
-          <p:cNvSpPr txBox="1"/>
-          <p:nvPr/>
-        </p:nvSpPr>
-        <p:spPr>
-          <a:xfrm>
-            <a:off x="418083" y="3604841"/>
-            <a:ext cx="1759842" cy="444397"/>
-          </a:xfrm>
-          <a:prstGeom prst="rect">
-            <a:avLst/>
-          </a:prstGeom>
-          <a:noFill/>
-        </p:spPr>
-        <p:txBody>
-          <a:bodyPr wrap="square" lIns="0" tIns="0" rIns="0" bIns="0" rtlCol="1">
-            <a:noAutofit/>
-          </a:bodyPr>
-          <a:lstStyle/>
-          <a:p>
-            <a:r>
-              <a:rPr lang="en-US" sz="1400" b="1" dirty="0" smtClean="0">
-                <a:solidFill>
-                  <a:schemeClr val="accent1"/>
-                </a:solidFill>
-                <a:latin typeface="Courier" pitchFamily="49" charset="0"/>
-              </a:rPr>
-              <a:t>&lt;</a:t>
-            </a:r>
-            <a:r>
-              <a:rPr lang="en-US" sz="1400" b="1" dirty="0" err="1" smtClean="0">
-                <a:solidFill>
-                  <a:schemeClr val="accent1"/>
-                </a:solidFill>
-                <a:latin typeface="Courier" pitchFamily="49" charset="0"/>
-              </a:rPr>
-              <a:t>FndtMsg</a:t>
-            </a:r>
-            <a:r>
-              <a:rPr lang="en-US" sz="1400" b="1" dirty="0" smtClean="0">
-                <a:solidFill>
-                  <a:schemeClr val="accent1"/>
-                </a:solidFill>
-                <a:latin typeface="Courier" pitchFamily="49" charset="0"/>
-              </a:rPr>
-              <a:t>&gt; </a:t>
-            </a:r>
-            <a:r>
-              <a:rPr lang="en-US" sz="1400" dirty="0" smtClean="0"/>
-              <a:t>from </a:t>
-            </a:r>
-            <a:r>
-              <a:rPr lang="en-US" sz="1200" b="1" dirty="0" smtClean="0"/>
-              <a:t>pain, </a:t>
-            </a:r>
-            <a:r>
-              <a:rPr lang="en-US" sz="1200" b="1" dirty="0" err="1" smtClean="0"/>
-              <a:t>pacs</a:t>
-            </a:r>
-            <a:r>
-              <a:rPr lang="en-US" sz="1200" b="1" dirty="0" smtClean="0"/>
-              <a:t>, SWIFT, etc.</a:t>
-            </a:r>
-            <a:endParaRPr lang="he-IL" sz="1200" b="1" dirty="0" err="1" smtClean="0"/>
-          </a:p>
-        </p:txBody>
-      </p:sp>
-      <p:sp>
-        <p:nvSpPr>
-          <p:cNvPr id="44" name="TextBox 43"/>
-          <p:cNvSpPr txBox="1"/>
-          <p:nvPr/>
-        </p:nvSpPr>
-        <p:spPr>
-          <a:xfrm>
-            <a:off x="3148883" y="3947884"/>
-            <a:ext cx="1228726" cy="281320"/>
-          </a:xfrm>
-          <a:prstGeom prst="rect">
-            <a:avLst/>
-          </a:prstGeom>
-          <a:noFill/>
-        </p:spPr>
-        <p:txBody>
-          <a:bodyPr wrap="square" lIns="0" tIns="0" rIns="0" bIns="0" rtlCol="1">
-            <a:noAutofit/>
-          </a:bodyPr>
-          <a:lstStyle/>
-          <a:p>
-            <a:pPr algn="ctr"/>
-            <a:r>
-              <a:rPr lang="en-US" sz="1400" b="1" dirty="0" smtClean="0">
-                <a:solidFill>
-                  <a:schemeClr val="accent1"/>
-                </a:solidFill>
-                <a:latin typeface="Courier" pitchFamily="49" charset="0"/>
-              </a:rPr>
-              <a:t>&lt;</a:t>
-            </a:r>
-            <a:r>
-              <a:rPr lang="en-US" sz="1400" b="1" dirty="0" err="1" smtClean="0">
-                <a:solidFill>
-                  <a:schemeClr val="accent1"/>
-                </a:solidFill>
-                <a:latin typeface="Courier" pitchFamily="49" charset="0"/>
-              </a:rPr>
-              <a:t>FndtMsg</a:t>
-            </a:r>
-            <a:r>
-              <a:rPr lang="en-US" sz="1400" b="1" dirty="0" smtClean="0">
-                <a:solidFill>
-                  <a:schemeClr val="accent1"/>
-                </a:solidFill>
-                <a:latin typeface="Courier" pitchFamily="49" charset="0"/>
-              </a:rPr>
-              <a:t>&gt;</a:t>
-            </a:r>
-            <a:endParaRPr lang="he-IL" sz="1400" b="1" dirty="0" err="1" smtClean="0">
-              <a:solidFill>
-                <a:schemeClr val="accent1"/>
-              </a:solidFill>
-              <a:latin typeface="Courier" pitchFamily="49" charset="0"/>
-            </a:endParaRPr>
-          </a:p>
-        </p:txBody>
-      </p:sp>
-      <p:sp>
-        <p:nvSpPr>
-          <p:cNvPr id="45" name="TextBox 44"/>
-          <p:cNvSpPr txBox="1"/>
-          <p:nvPr/>
-        </p:nvSpPr>
-        <p:spPr>
-          <a:xfrm>
-            <a:off x="3148883" y="5174179"/>
-            <a:ext cx="1228726" cy="281320"/>
-          </a:xfrm>
-          <a:prstGeom prst="rect">
-            <a:avLst/>
-          </a:prstGeom>
-          <a:noFill/>
-        </p:spPr>
-        <p:txBody>
-          <a:bodyPr wrap="square" lIns="0" tIns="0" rIns="0" bIns="0" rtlCol="1">
-            <a:noAutofit/>
-          </a:bodyPr>
-          <a:lstStyle/>
-          <a:p>
-            <a:pPr algn="ctr"/>
-            <a:r>
-              <a:rPr lang="en-US" sz="1400" b="1" dirty="0" smtClean="0">
-                <a:solidFill>
-                  <a:schemeClr val="accent1"/>
-                </a:solidFill>
-                <a:latin typeface="Courier" pitchFamily="49" charset="0"/>
-              </a:rPr>
-              <a:t>&lt;</a:t>
-            </a:r>
-            <a:r>
-              <a:rPr lang="en-US" sz="1400" b="1" dirty="0" err="1" smtClean="0">
-                <a:solidFill>
-                  <a:schemeClr val="accent1"/>
-                </a:solidFill>
-                <a:latin typeface="Courier" pitchFamily="49" charset="0"/>
-              </a:rPr>
-              <a:t>FndtMsg</a:t>
-            </a:r>
-            <a:r>
-              <a:rPr lang="en-US" sz="1400" b="1" dirty="0" smtClean="0">
-                <a:solidFill>
-                  <a:schemeClr val="accent1"/>
-                </a:solidFill>
-                <a:latin typeface="Courier" pitchFamily="49" charset="0"/>
-              </a:rPr>
-              <a:t>&gt;</a:t>
-            </a:r>
-            <a:endParaRPr lang="he-IL" sz="1400" b="1" dirty="0" err="1" smtClean="0">
-              <a:solidFill>
-                <a:schemeClr val="accent1"/>
-              </a:solidFill>
-              <a:latin typeface="Courier" pitchFamily="49" charset="0"/>
-            </a:endParaRPr>
-          </a:p>
-        </p:txBody>
-      </p:sp>
-      <p:sp>
-        <p:nvSpPr>
-          <p:cNvPr id="46" name="TextBox 45"/>
-          <p:cNvSpPr txBox="1"/>
-          <p:nvPr/>
-        </p:nvSpPr>
-        <p:spPr>
-          <a:xfrm>
-            <a:off x="8482087" y="1598860"/>
-            <a:ext cx="1228726" cy="281320"/>
-          </a:xfrm>
-          <a:prstGeom prst="rect">
-            <a:avLst/>
-          </a:prstGeom>
-          <a:noFill/>
-        </p:spPr>
-        <p:txBody>
-          <a:bodyPr wrap="square" lIns="0" tIns="0" rIns="0" bIns="0" rtlCol="1">
-            <a:noAutofit/>
-          </a:bodyPr>
-          <a:lstStyle/>
-          <a:p>
-            <a:pPr algn="ctr"/>
-            <a:r>
-              <a:rPr lang="en-US" sz="1400" b="1" dirty="0" smtClean="0">
-                <a:solidFill>
-                  <a:schemeClr val="accent1"/>
-                </a:solidFill>
-                <a:latin typeface="Courier" pitchFamily="49" charset="0"/>
-              </a:rPr>
-              <a:t>&lt;</a:t>
-            </a:r>
-            <a:r>
-              <a:rPr lang="en-US" sz="1400" b="1" dirty="0" err="1" smtClean="0">
-                <a:solidFill>
-                  <a:schemeClr val="accent1"/>
-                </a:solidFill>
-                <a:latin typeface="Courier" pitchFamily="49" charset="0"/>
-              </a:rPr>
-              <a:t>FndtMsg</a:t>
-            </a:r>
-            <a:r>
-              <a:rPr lang="en-US" sz="1400" b="1" dirty="0" smtClean="0">
-                <a:solidFill>
-                  <a:schemeClr val="accent1"/>
-                </a:solidFill>
-                <a:latin typeface="Courier" pitchFamily="49" charset="0"/>
-              </a:rPr>
-              <a:t>&gt;</a:t>
-            </a:r>
-            <a:endParaRPr lang="he-IL" sz="1400" b="1" dirty="0" err="1" smtClean="0">
-              <a:solidFill>
-                <a:schemeClr val="accent1"/>
-              </a:solidFill>
-              <a:latin typeface="Courier" pitchFamily="49" charset="0"/>
-            </a:endParaRPr>
-          </a:p>
-        </p:txBody>
-      </p:sp>
-      <p:sp>
-        <p:nvSpPr>
-          <p:cNvPr id="49" name="TextBox 48"/>
-          <p:cNvSpPr txBox="1"/>
-          <p:nvPr/>
-        </p:nvSpPr>
-        <p:spPr>
-          <a:xfrm>
-            <a:off x="7985320" y="6108020"/>
-            <a:ext cx="1228726" cy="281320"/>
-          </a:xfrm>
-          <a:prstGeom prst="rect">
-            <a:avLst/>
-          </a:prstGeom>
-          <a:noFill/>
-        </p:spPr>
-        <p:txBody>
-          <a:bodyPr wrap="square" lIns="0" tIns="0" rIns="0" bIns="0" rtlCol="1">
-            <a:noAutofit/>
-          </a:bodyPr>
-          <a:lstStyle/>
-          <a:p>
-            <a:pPr algn="ctr"/>
-            <a:r>
-              <a:rPr lang="en-US" sz="1400" b="1" dirty="0" smtClean="0">
-                <a:solidFill>
-                  <a:schemeClr val="accent1"/>
-                </a:solidFill>
-                <a:latin typeface="Courier" pitchFamily="49" charset="0"/>
-              </a:rPr>
-              <a:t>&lt;</a:t>
-            </a:r>
-            <a:r>
-              <a:rPr lang="en-US" sz="1400" b="1" dirty="0" err="1" smtClean="0">
-                <a:solidFill>
-                  <a:schemeClr val="accent1"/>
-                </a:solidFill>
-                <a:latin typeface="Courier" pitchFamily="49" charset="0"/>
-              </a:rPr>
-              <a:t>FndtMsg</a:t>
-            </a:r>
-            <a:r>
-              <a:rPr lang="en-US" sz="1400" b="1" dirty="0" smtClean="0">
-                <a:solidFill>
-                  <a:schemeClr val="accent1"/>
-                </a:solidFill>
-                <a:latin typeface="Courier" pitchFamily="49" charset="0"/>
-              </a:rPr>
-              <a:t>&gt;</a:t>
-            </a:r>
-            <a:endParaRPr lang="he-IL" sz="1400" b="1" dirty="0" err="1" smtClean="0">
-              <a:solidFill>
-                <a:schemeClr val="accent1"/>
-              </a:solidFill>
-              <a:latin typeface="Courier" pitchFamily="49" charset="0"/>
-            </a:endParaRPr>
+              <a:rPr lang="en-US" sz="1200" dirty="0"/>
+              <a:t>in </a:t>
+            </a:r>
+            <a:r>
+              <a:rPr lang="en-US" sz="1200" b="1" dirty="0"/>
+              <a:t>FULL</a:t>
+            </a:r>
+            <a:r>
+              <a:rPr lang="en-US" sz="1200" dirty="0"/>
+              <a:t> or </a:t>
+            </a:r>
+            <a:r>
+              <a:rPr lang="en-US" sz="1200" b="1" dirty="0"/>
+              <a:t>Subset</a:t>
+            </a:r>
+            <a:r>
+              <a:rPr lang="en-US" sz="1200" dirty="0"/>
+              <a:t> format</a:t>
+            </a:r>
+            <a:endParaRPr lang="he-IL" sz="1200" dirty="0" err="1"/>
           </a:p>
         </p:txBody>
       </p:sp>
     </p:spTree>
     <p:extLst>
       <p:ext uri="{BB962C8B-B14F-4D97-AF65-F5344CB8AC3E}">
-        <p14:creationId xmlns:p14="http://schemas.microsoft.com/office/powerpoint/2010/main" val="3323659503"/>
+        <p14:creationId xmlns:p14="http://schemas.microsoft.com/office/powerpoint/2010/main" val="285055182"/>
       </p:ext>
     </p:extLst>
   </p:cSld>
   <p:clrMapOvr>
     <a:masterClrMapping/>
   </p:clrMapOvr>
-  <mc:AlternateContent xmlns:mc="http://schemas.openxmlformats.org/markup-compatibility/2006" xmlns:p14="http://schemas.microsoft.com/office/powerpoint/2010/main">
-    <mc:Choice Requires="p14">
+  <mc:AlternateContent xmlns:mc="http://schemas.openxmlformats.org/markup-compatibility/2006">
+    <mc:Choice xmlns:p14="http://schemas.microsoft.com/office/powerpoint/2010/main" Requires="p14">
       <p:transition spd="med" p14:dur="700">
         <p:fade/>
       </p:transition>
     </mc:Choice>
-    <mc:Fallback xmlns="">
+    <mc:Fallback>
       <p:transition spd="med">
         <p:fade/>
       </p:transition>
@@ -8803,7 +8852,7 @@
             <a:fld id="{BC3F1638-3586-4527-A760-38AC15BFC248}" type="datetime4">
               <a:rPr lang="en-GB" smtClean="0"/>
               <a:pPr/>
-              <a:t>15 March 2018</a:t>
+              <a:t>07 March 2019</a:t>
             </a:fld>
             <a:endParaRPr lang="en-GB" dirty="0"/>
           </a:p>
@@ -9535,7 +9584,7 @@
             <a:fld id="{BC3F1638-3586-4527-A760-38AC15BFC248}" type="datetime4">
               <a:rPr lang="en-GB" smtClean="0"/>
               <a:pPr/>
-              <a:t>15 March 2018</a:t>
+              <a:t>07 March 2019</a:t>
             </a:fld>
             <a:endParaRPr lang="en-GB" dirty="0"/>
           </a:p>
@@ -10193,7 +10242,7 @@
             <a:fld id="{BC3F1638-3586-4527-A760-38AC15BFC248}" type="datetime4">
               <a:rPr lang="en-GB" smtClean="0"/>
               <a:pPr/>
-              <a:t>15 March 2018</a:t>
+              <a:t>07 March 2019</a:t>
             </a:fld>
             <a:endParaRPr lang="en-GB" dirty="0"/>
           </a:p>
@@ -10245,7 +10294,7 @@
           <a:graphicData uri="http://schemas.openxmlformats.org/presentationml/2006/ole">
             <mc:AlternateContent xmlns:mc="http://schemas.openxmlformats.org/markup-compatibility/2006">
               <mc:Choice xmlns:v="urn:schemas-microsoft-com:vml" Requires="v">
-                <p:oleObj spid="_x0000_s1059" name="Packager Shell Object" showAsIcon="1" r:id="rId4" imgW="914400" imgH="771480" progId="Package">
+                <p:oleObj spid="_x0000_s1065" name="Packager Shell Object" showAsIcon="1" r:id="rId4" imgW="914400" imgH="771480" progId="Package">
                   <p:embed/>
                 </p:oleObj>
               </mc:Choice>
@@ -10562,7 +10611,7 @@
           <a:graphicData uri="http://schemas.openxmlformats.org/presentationml/2006/ole">
             <mc:AlternateContent xmlns:mc="http://schemas.openxmlformats.org/markup-compatibility/2006">
               <mc:Choice xmlns:v="urn:schemas-microsoft-com:vml" Requires="v">
-                <p:oleObj spid="_x0000_s1060" name="Packager Shell Object" showAsIcon="1" r:id="rId6" imgW="914400" imgH="771480" progId="Package">
+                <p:oleObj spid="_x0000_s1066" name="Packager Shell Object" showAsIcon="1" r:id="rId6" imgW="914400" imgH="771480" progId="Package">
                   <p:embed/>
                 </p:oleObj>
               </mc:Choice>
@@ -10619,7 +10668,7 @@
           <a:graphicData uri="http://schemas.openxmlformats.org/presentationml/2006/ole">
             <mc:AlternateContent xmlns:mc="http://schemas.openxmlformats.org/markup-compatibility/2006">
               <mc:Choice xmlns:v="urn:schemas-microsoft-com:vml" Requires="v">
-                <p:oleObj spid="_x0000_s1061" name="Packager Shell Object" showAsIcon="1" r:id="rId8" imgW="914400" imgH="771480" progId="Package">
+                <p:oleObj spid="_x0000_s1067" name="Packager Shell Object" showAsIcon="1" r:id="rId8" imgW="914400" imgH="771480" progId="Package">
                   <p:embed/>
                 </p:oleObj>
               </mc:Choice>
@@ -10776,7 +10825,7 @@
             <a:fld id="{BC3F1638-3586-4527-A760-38AC15BFC248}" type="datetime4">
               <a:rPr lang="en-GB" smtClean="0"/>
               <a:pPr/>
-              <a:t>15 March 2018</a:t>
+              <a:t>07 March 2019</a:t>
             </a:fld>
             <a:endParaRPr lang="en-GB" dirty="0"/>
           </a:p>
@@ -11679,7 +11728,7 @@
             <a:fld id="{BC3F1638-3586-4527-A760-38AC15BFC248}" type="datetime4">
               <a:rPr lang="en-GB" smtClean="0"/>
               <a:pPr/>
-              <a:t>15 March 2018</a:t>
+              <a:t>07 March 2019</a:t>
             </a:fld>
             <a:endParaRPr lang="en-GB" dirty="0"/>
           </a:p>
@@ -13659,21 +13708,21 @@
 </file>
 
 <file path=customXml/item1.xml><?xml version="1.0" encoding="utf-8"?>
+<p:properties xmlns:p="http://schemas.microsoft.com/office/2006/metadata/properties" xmlns:xsi="http://www.w3.org/2001/XMLSchema-instance" xmlns:pc="http://schemas.microsoft.com/office/infopath/2007/PartnerControls">
+  <documentManagement>
+    <PublishingExpirationDate xmlns="http://schemas.microsoft.com/sharepoint/v3" xsi:nil="true"/>
+    <PublishingStartDate xmlns="http://schemas.microsoft.com/sharepoint/v3" xsi:nil="true"/>
+  </documentManagement>
+</p:properties>
+</file>
+
+<file path=customXml/item2.xml><?xml version="1.0" encoding="utf-8"?>
 <?mso-contentType ?>
 <FormTemplates xmlns="http://schemas.microsoft.com/sharepoint/v3/contenttype/forms">
   <Display>DocumentLibraryForm</Display>
   <Edit>DocumentLibraryForm</Edit>
   <New>DocumentLibraryForm</New>
 </FormTemplates>
-</file>
-
-<file path=customXml/item2.xml><?xml version="1.0" encoding="utf-8"?>
-<p:properties xmlns:p="http://schemas.microsoft.com/office/2006/metadata/properties" xmlns:xsi="http://www.w3.org/2001/XMLSchema-instance" xmlns:pc="http://schemas.microsoft.com/office/infopath/2007/PartnerControls">
-  <documentManagement>
-    <PublishingExpirationDate xmlns="http://schemas.microsoft.com/sharepoint/v3" xsi:nil="true"/>
-    <PublishingStartDate xmlns="http://schemas.microsoft.com/sharepoint/v3" xsi:nil="true"/>
-  </documentManagement>
-</p:properties>
 </file>
 
 <file path=customXml/item3.xml><?xml version="1.0" encoding="utf-8"?>
@@ -13859,14 +13908,6 @@
 </file>
 
 <file path=customXml/itemProps1.xml><?xml version="1.0" encoding="utf-8"?>
-<ds:datastoreItem xmlns:ds="http://schemas.openxmlformats.org/officeDocument/2006/customXml" ds:itemID="{CA1AEAF9-C730-4098-99F1-230B2FED747B}">
-  <ds:schemaRefs>
-    <ds:schemaRef ds:uri="http://schemas.microsoft.com/sharepoint/v3/contenttype/forms"/>
-  </ds:schemaRefs>
-</ds:datastoreItem>
-</file>
-
-<file path=customXml/itemProps2.xml><?xml version="1.0" encoding="utf-8"?>
 <ds:datastoreItem xmlns:ds="http://schemas.openxmlformats.org/officeDocument/2006/customXml" ds:itemID="{D7186F62-2954-471E-9368-38BF5704F41F}">
   <ds:schemaRefs>
     <ds:schemaRef ds:uri="http://www.w3.org/XML/1998/namespace"/>
@@ -13880,6 +13921,14 @@
     <ds:schemaRef ds:uri="http://schemas.openxmlformats.org/package/2006/metadata/core-properties"/>
     <ds:schemaRef ds:uri="http://schemas.microsoft.com/office/infopath/2007/PartnerControls"/>
     <ds:schemaRef ds:uri="http://purl.org/dc/dcmitype/"/>
+  </ds:schemaRefs>
+</ds:datastoreItem>
+</file>
+
+<file path=customXml/itemProps2.xml><?xml version="1.0" encoding="utf-8"?>
+<ds:datastoreItem xmlns:ds="http://schemas.openxmlformats.org/officeDocument/2006/customXml" ds:itemID="{CA1AEAF9-C730-4098-99F1-230B2FED747B}">
+  <ds:schemaRefs>
+    <ds:schemaRef ds:uri="http://schemas.microsoft.com/sharepoint/v3/contenttype/forms"/>
   </ds:schemaRefs>
 </ds:datastoreItem>
 </file>
